--- a/image/login/회원관리페이지.pptx
+++ b/image/login/회원관리페이지.pptx
@@ -20,6 +20,10 @@
     <p:sldId id="268" r:id="rId14"/>
     <p:sldId id="269" r:id="rId15"/>
     <p:sldId id="270" r:id="rId16"/>
+    <p:sldId id="271" r:id="rId17"/>
+    <p:sldId id="272" r:id="rId18"/>
+    <p:sldId id="273" r:id="rId19"/>
+    <p:sldId id="274" r:id="rId20"/>
   </p:sldIdLst>
   <p:sldSz cx="12192000" cy="6858000"/>
   <p:notesSz cx="6858000" cy="9144000"/>
@@ -257,7 +261,7 @@
           <a:p>
             <a:fld id="{F75D1AEC-97B6-4336-AC6D-A933BBF9A058}" type="datetimeFigureOut">
               <a:rPr lang="ko-KR" altLang="en-US" smtClean="0"/>
-              <a:t>2021-05-31</a:t>
+              <a:t>2021-06-01</a:t>
             </a:fld>
             <a:endParaRPr lang="ko-KR" altLang="en-US"/>
           </a:p>
@@ -427,7 +431,7 @@
           <a:p>
             <a:fld id="{F75D1AEC-97B6-4336-AC6D-A933BBF9A058}" type="datetimeFigureOut">
               <a:rPr lang="ko-KR" altLang="en-US" smtClean="0"/>
-              <a:t>2021-05-31</a:t>
+              <a:t>2021-06-01</a:t>
             </a:fld>
             <a:endParaRPr lang="ko-KR" altLang="en-US"/>
           </a:p>
@@ -607,7 +611,7 @@
           <a:p>
             <a:fld id="{F75D1AEC-97B6-4336-AC6D-A933BBF9A058}" type="datetimeFigureOut">
               <a:rPr lang="ko-KR" altLang="en-US" smtClean="0"/>
-              <a:t>2021-05-31</a:t>
+              <a:t>2021-06-01</a:t>
             </a:fld>
             <a:endParaRPr lang="ko-KR" altLang="en-US"/>
           </a:p>
@@ -777,7 +781,7 @@
           <a:p>
             <a:fld id="{F75D1AEC-97B6-4336-AC6D-A933BBF9A058}" type="datetimeFigureOut">
               <a:rPr lang="ko-KR" altLang="en-US" smtClean="0"/>
-              <a:t>2021-05-31</a:t>
+              <a:t>2021-06-01</a:t>
             </a:fld>
             <a:endParaRPr lang="ko-KR" altLang="en-US"/>
           </a:p>
@@ -1023,7 +1027,7 @@
           <a:p>
             <a:fld id="{F75D1AEC-97B6-4336-AC6D-A933BBF9A058}" type="datetimeFigureOut">
               <a:rPr lang="ko-KR" altLang="en-US" smtClean="0"/>
-              <a:t>2021-05-31</a:t>
+              <a:t>2021-06-01</a:t>
             </a:fld>
             <a:endParaRPr lang="ko-KR" altLang="en-US"/>
           </a:p>
@@ -1255,7 +1259,7 @@
           <a:p>
             <a:fld id="{F75D1AEC-97B6-4336-AC6D-A933BBF9A058}" type="datetimeFigureOut">
               <a:rPr lang="ko-KR" altLang="en-US" smtClean="0"/>
-              <a:t>2021-05-31</a:t>
+              <a:t>2021-06-01</a:t>
             </a:fld>
             <a:endParaRPr lang="ko-KR" altLang="en-US"/>
           </a:p>
@@ -1622,7 +1626,7 @@
           <a:p>
             <a:fld id="{F75D1AEC-97B6-4336-AC6D-A933BBF9A058}" type="datetimeFigureOut">
               <a:rPr lang="ko-KR" altLang="en-US" smtClean="0"/>
-              <a:t>2021-05-31</a:t>
+              <a:t>2021-06-01</a:t>
             </a:fld>
             <a:endParaRPr lang="ko-KR" altLang="en-US"/>
           </a:p>
@@ -1740,7 +1744,7 @@
           <a:p>
             <a:fld id="{F75D1AEC-97B6-4336-AC6D-A933BBF9A058}" type="datetimeFigureOut">
               <a:rPr lang="ko-KR" altLang="en-US" smtClean="0"/>
-              <a:t>2021-05-31</a:t>
+              <a:t>2021-06-01</a:t>
             </a:fld>
             <a:endParaRPr lang="ko-KR" altLang="en-US"/>
           </a:p>
@@ -1835,7 +1839,7 @@
           <a:p>
             <a:fld id="{F75D1AEC-97B6-4336-AC6D-A933BBF9A058}" type="datetimeFigureOut">
               <a:rPr lang="ko-KR" altLang="en-US" smtClean="0"/>
-              <a:t>2021-05-31</a:t>
+              <a:t>2021-06-01</a:t>
             </a:fld>
             <a:endParaRPr lang="ko-KR" altLang="en-US"/>
           </a:p>
@@ -2112,7 +2116,7 @@
           <a:p>
             <a:fld id="{F75D1AEC-97B6-4336-AC6D-A933BBF9A058}" type="datetimeFigureOut">
               <a:rPr lang="ko-KR" altLang="en-US" smtClean="0"/>
-              <a:t>2021-05-31</a:t>
+              <a:t>2021-06-01</a:t>
             </a:fld>
             <a:endParaRPr lang="ko-KR" altLang="en-US"/>
           </a:p>
@@ -2365,7 +2369,7 @@
           <a:p>
             <a:fld id="{F75D1AEC-97B6-4336-AC6D-A933BBF9A058}" type="datetimeFigureOut">
               <a:rPr lang="ko-KR" altLang="en-US" smtClean="0"/>
-              <a:t>2021-05-31</a:t>
+              <a:t>2021-06-01</a:t>
             </a:fld>
             <a:endParaRPr lang="ko-KR" altLang="en-US"/>
           </a:p>
@@ -2578,7 +2582,7 @@
           <a:p>
             <a:fld id="{F75D1AEC-97B6-4336-AC6D-A933BBF9A058}" type="datetimeFigureOut">
               <a:rPr lang="ko-KR" altLang="en-US" smtClean="0"/>
-              <a:t>2021-05-31</a:t>
+              <a:t>2021-06-01</a:t>
             </a:fld>
             <a:endParaRPr lang="ko-KR" altLang="en-US"/>
           </a:p>
@@ -3811,6 +3815,126 @@
           </a:p>
         </p:txBody>
       </p:sp>
+      <p:sp>
+        <p:nvSpPr>
+          <p:cNvPr id="3" name="타원 2"/>
+          <p:cNvSpPr/>
+          <p:nvPr/>
+        </p:nvSpPr>
+        <p:spPr>
+          <a:xfrm>
+            <a:off x="7597316" y="2157461"/>
+            <a:ext cx="191193" cy="185690"/>
+          </a:xfrm>
+          <a:prstGeom prst="ellipse">
+            <a:avLst/>
+          </a:prstGeom>
+        </p:spPr>
+        <p:style>
+          <a:lnRef idx="2">
+            <a:schemeClr val="accent1">
+              <a:shade val="50000"/>
+            </a:schemeClr>
+          </a:lnRef>
+          <a:fillRef idx="1">
+            <a:schemeClr val="accent1"/>
+          </a:fillRef>
+          <a:effectRef idx="0">
+            <a:schemeClr val="accent1"/>
+          </a:effectRef>
+          <a:fontRef idx="minor">
+            <a:schemeClr val="lt1"/>
+          </a:fontRef>
+        </p:style>
+        <p:txBody>
+          <a:bodyPr rtlCol="0" anchor="ctr"/>
+          <a:lstStyle/>
+          <a:p>
+            <a:pPr algn="ctr"/>
+            <a:endParaRPr lang="ko-KR" altLang="en-US"/>
+          </a:p>
+        </p:txBody>
+      </p:sp>
+      <p:sp>
+        <p:nvSpPr>
+          <p:cNvPr id="26" name="타원 25"/>
+          <p:cNvSpPr/>
+          <p:nvPr/>
+        </p:nvSpPr>
+        <p:spPr>
+          <a:xfrm>
+            <a:off x="7597315" y="2633062"/>
+            <a:ext cx="191193" cy="185690"/>
+          </a:xfrm>
+          <a:prstGeom prst="ellipse">
+            <a:avLst/>
+          </a:prstGeom>
+        </p:spPr>
+        <p:style>
+          <a:lnRef idx="2">
+            <a:schemeClr val="accent1">
+              <a:shade val="50000"/>
+            </a:schemeClr>
+          </a:lnRef>
+          <a:fillRef idx="1">
+            <a:schemeClr val="accent1"/>
+          </a:fillRef>
+          <a:effectRef idx="0">
+            <a:schemeClr val="accent1"/>
+          </a:effectRef>
+          <a:fontRef idx="minor">
+            <a:schemeClr val="lt1"/>
+          </a:fontRef>
+        </p:style>
+        <p:txBody>
+          <a:bodyPr rtlCol="0" anchor="ctr"/>
+          <a:lstStyle/>
+          <a:p>
+            <a:pPr algn="ctr"/>
+            <a:endParaRPr lang="ko-KR" altLang="en-US"/>
+          </a:p>
+        </p:txBody>
+      </p:sp>
+      <p:sp>
+        <p:nvSpPr>
+          <p:cNvPr id="27" name="타원 26"/>
+          <p:cNvSpPr/>
+          <p:nvPr/>
+        </p:nvSpPr>
+        <p:spPr>
+          <a:xfrm>
+            <a:off x="7597315" y="3103535"/>
+            <a:ext cx="191193" cy="185690"/>
+          </a:xfrm>
+          <a:prstGeom prst="ellipse">
+            <a:avLst/>
+          </a:prstGeom>
+        </p:spPr>
+        <p:style>
+          <a:lnRef idx="2">
+            <a:schemeClr val="accent1">
+              <a:shade val="50000"/>
+            </a:schemeClr>
+          </a:lnRef>
+          <a:fillRef idx="1">
+            <a:schemeClr val="accent1"/>
+          </a:fillRef>
+          <a:effectRef idx="0">
+            <a:schemeClr val="accent1"/>
+          </a:effectRef>
+          <a:fontRef idx="minor">
+            <a:schemeClr val="lt1"/>
+          </a:fontRef>
+        </p:style>
+        <p:txBody>
+          <a:bodyPr rtlCol="0" anchor="ctr"/>
+          <a:lstStyle/>
+          <a:p>
+            <a:pPr algn="ctr"/>
+            <a:endParaRPr lang="ko-KR" altLang="en-US"/>
+          </a:p>
+        </p:txBody>
+      </p:sp>
     </p:spTree>
     <p:extLst>
       <p:ext uri="{BB962C8B-B14F-4D97-AF65-F5344CB8AC3E}">
@@ -9223,6 +9347,1857 @@
 </p:sld>
 </file>
 
+<file path=ppt/slides/slide16.xml><?xml version="1.0" encoding="utf-8"?>
+<p:sld xmlns:a="http://schemas.openxmlformats.org/drawingml/2006/main" xmlns:r="http://schemas.openxmlformats.org/officeDocument/2006/relationships" xmlns:p="http://schemas.openxmlformats.org/presentationml/2006/main">
+  <p:cSld>
+    <p:bg>
+      <p:bgPr>
+        <a:solidFill>
+          <a:schemeClr val="bg1">
+            <a:lumMod val="95000"/>
+          </a:schemeClr>
+        </a:solidFill>
+        <a:effectLst/>
+      </p:bgPr>
+    </p:bg>
+    <p:spTree>
+      <p:nvGrpSpPr>
+        <p:cNvPr id="1" name=""/>
+        <p:cNvGrpSpPr/>
+        <p:nvPr/>
+      </p:nvGrpSpPr>
+      <p:grpSpPr>
+        <a:xfrm>
+          <a:off x="0" y="0"/>
+          <a:ext cx="0" cy="0"/>
+          <a:chOff x="0" y="0"/>
+          <a:chExt cx="0" cy="0"/>
+        </a:xfrm>
+      </p:grpSpPr>
+      <p:sp>
+        <p:nvSpPr>
+          <p:cNvPr id="4" name="직사각형 3"/>
+          <p:cNvSpPr/>
+          <p:nvPr/>
+        </p:nvSpPr>
+        <p:spPr>
+          <a:xfrm>
+            <a:off x="0" y="0"/>
+            <a:ext cx="12192000" cy="471309"/>
+          </a:xfrm>
+          <a:prstGeom prst="rect">
+            <a:avLst/>
+          </a:prstGeom>
+          <a:solidFill>
+            <a:schemeClr val="accent4">
+              <a:lumMod val="40000"/>
+              <a:lumOff val="60000"/>
+            </a:schemeClr>
+          </a:solidFill>
+          <a:ln>
+            <a:noFill/>
+          </a:ln>
+        </p:spPr>
+        <p:style>
+          <a:lnRef idx="2">
+            <a:schemeClr val="accent1">
+              <a:shade val="50000"/>
+            </a:schemeClr>
+          </a:lnRef>
+          <a:fillRef idx="1">
+            <a:schemeClr val="accent1"/>
+          </a:fillRef>
+          <a:effectRef idx="0">
+            <a:schemeClr val="accent1"/>
+          </a:effectRef>
+          <a:fontRef idx="minor">
+            <a:schemeClr val="lt1"/>
+          </a:fontRef>
+        </p:style>
+        <p:txBody>
+          <a:bodyPr rtlCol="0" anchor="ctr"/>
+          <a:lstStyle/>
+          <a:p>
+            <a:pPr algn="ctr"/>
+            <a:endParaRPr lang="ko-KR" altLang="en-US"/>
+          </a:p>
+        </p:txBody>
+      </p:sp>
+      <p:sp>
+        <p:nvSpPr>
+          <p:cNvPr id="5" name="TextBox 4"/>
+          <p:cNvSpPr txBox="1"/>
+          <p:nvPr/>
+        </p:nvSpPr>
+        <p:spPr>
+          <a:xfrm>
+            <a:off x="3533775" y="46696"/>
+            <a:ext cx="1107996" cy="369332"/>
+          </a:xfrm>
+          <a:prstGeom prst="rect">
+            <a:avLst/>
+          </a:prstGeom>
+          <a:noFill/>
+        </p:spPr>
+        <p:txBody>
+          <a:bodyPr wrap="none" rtlCol="0">
+            <a:spAutoFit/>
+          </a:bodyPr>
+          <a:lstStyle/>
+          <a:p>
+            <a:r>
+              <a:rPr lang="ko-KR" altLang="en-US" dirty="0" smtClean="0">
+                <a:solidFill>
+                  <a:schemeClr val="bg1"/>
+                </a:solidFill>
+              </a:rPr>
+              <a:t>고객센터</a:t>
+            </a:r>
+            <a:endParaRPr lang="ko-KR" altLang="en-US" dirty="0">
+              <a:solidFill>
+                <a:schemeClr val="bg1"/>
+              </a:solidFill>
+            </a:endParaRPr>
+          </a:p>
+        </p:txBody>
+      </p:sp>
+      <p:pic>
+        <p:nvPicPr>
+          <p:cNvPr id="6" name="그림 5"/>
+          <p:cNvPicPr>
+            <a:picLocks noChangeAspect="1"/>
+          </p:cNvPicPr>
+          <p:nvPr/>
+        </p:nvPicPr>
+        <p:blipFill>
+          <a:blip r:embed="rId2"/>
+          <a:stretch>
+            <a:fillRect/>
+          </a:stretch>
+        </p:blipFill>
+        <p:spPr>
+          <a:xfrm>
+            <a:off x="2657816" y="21901"/>
+            <a:ext cx="808518" cy="418921"/>
+          </a:xfrm>
+          <a:prstGeom prst="rect">
+            <a:avLst/>
+          </a:prstGeom>
+        </p:spPr>
+      </p:pic>
+      <p:sp>
+        <p:nvSpPr>
+          <p:cNvPr id="7" name="TextBox 6"/>
+          <p:cNvSpPr txBox="1"/>
+          <p:nvPr/>
+        </p:nvSpPr>
+        <p:spPr>
+          <a:xfrm>
+            <a:off x="8420100" y="46695"/>
+            <a:ext cx="877163" cy="369332"/>
+          </a:xfrm>
+          <a:prstGeom prst="rect">
+            <a:avLst/>
+          </a:prstGeom>
+          <a:noFill/>
+        </p:spPr>
+        <p:txBody>
+          <a:bodyPr wrap="none" rtlCol="0">
+            <a:spAutoFit/>
+          </a:bodyPr>
+          <a:lstStyle/>
+          <a:p>
+            <a:r>
+              <a:rPr lang="ko-KR" altLang="en-US" dirty="0" smtClean="0">
+                <a:solidFill>
+                  <a:schemeClr val="bg1"/>
+                </a:solidFill>
+              </a:rPr>
+              <a:t>닉네임</a:t>
+            </a:r>
+            <a:endParaRPr lang="ko-KR" altLang="en-US" dirty="0">
+              <a:solidFill>
+                <a:schemeClr val="bg1"/>
+              </a:solidFill>
+            </a:endParaRPr>
+          </a:p>
+        </p:txBody>
+      </p:sp>
+      <p:cxnSp>
+        <p:nvCxnSpPr>
+          <p:cNvPr id="8" name="직선 연결선 7"/>
+          <p:cNvCxnSpPr/>
+          <p:nvPr/>
+        </p:nvCxnSpPr>
+        <p:spPr>
+          <a:xfrm>
+            <a:off x="9297263" y="180975"/>
+            <a:ext cx="295275" cy="0"/>
+          </a:xfrm>
+          <a:prstGeom prst="line">
+            <a:avLst/>
+          </a:prstGeom>
+          <a:ln>
+            <a:solidFill>
+              <a:schemeClr val="bg1"/>
+            </a:solidFill>
+          </a:ln>
+        </p:spPr>
+        <p:style>
+          <a:lnRef idx="1">
+            <a:schemeClr val="accent1"/>
+          </a:lnRef>
+          <a:fillRef idx="0">
+            <a:schemeClr val="accent1"/>
+          </a:fillRef>
+          <a:effectRef idx="0">
+            <a:schemeClr val="accent1"/>
+          </a:effectRef>
+          <a:fontRef idx="minor">
+            <a:schemeClr val="tx1"/>
+          </a:fontRef>
+        </p:style>
+      </p:cxnSp>
+      <p:cxnSp>
+        <p:nvCxnSpPr>
+          <p:cNvPr id="9" name="직선 연결선 8"/>
+          <p:cNvCxnSpPr/>
+          <p:nvPr/>
+        </p:nvCxnSpPr>
+        <p:spPr>
+          <a:xfrm>
+            <a:off x="9297263" y="114300"/>
+            <a:ext cx="295275" cy="0"/>
+          </a:xfrm>
+          <a:prstGeom prst="line">
+            <a:avLst/>
+          </a:prstGeom>
+          <a:ln>
+            <a:solidFill>
+              <a:schemeClr val="bg1"/>
+            </a:solidFill>
+          </a:ln>
+        </p:spPr>
+        <p:style>
+          <a:lnRef idx="1">
+            <a:schemeClr val="accent1"/>
+          </a:lnRef>
+          <a:fillRef idx="0">
+            <a:schemeClr val="accent1"/>
+          </a:fillRef>
+          <a:effectRef idx="0">
+            <a:schemeClr val="accent1"/>
+          </a:effectRef>
+          <a:fontRef idx="minor">
+            <a:schemeClr val="tx1"/>
+          </a:fontRef>
+        </p:style>
+      </p:cxnSp>
+      <p:cxnSp>
+        <p:nvCxnSpPr>
+          <p:cNvPr id="10" name="직선 연결선 9"/>
+          <p:cNvCxnSpPr/>
+          <p:nvPr/>
+        </p:nvCxnSpPr>
+        <p:spPr>
+          <a:xfrm>
+            <a:off x="9297263" y="333375"/>
+            <a:ext cx="295275" cy="0"/>
+          </a:xfrm>
+          <a:prstGeom prst="line">
+            <a:avLst/>
+          </a:prstGeom>
+          <a:ln>
+            <a:solidFill>
+              <a:schemeClr val="bg1"/>
+            </a:solidFill>
+          </a:ln>
+        </p:spPr>
+        <p:style>
+          <a:lnRef idx="1">
+            <a:schemeClr val="accent1"/>
+          </a:lnRef>
+          <a:fillRef idx="0">
+            <a:schemeClr val="accent1"/>
+          </a:fillRef>
+          <a:effectRef idx="0">
+            <a:schemeClr val="accent1"/>
+          </a:effectRef>
+          <a:fontRef idx="minor">
+            <a:schemeClr val="tx1"/>
+          </a:fontRef>
+        </p:style>
+      </p:cxnSp>
+      <p:cxnSp>
+        <p:nvCxnSpPr>
+          <p:cNvPr id="11" name="직선 연결선 10"/>
+          <p:cNvCxnSpPr/>
+          <p:nvPr/>
+        </p:nvCxnSpPr>
+        <p:spPr>
+          <a:xfrm>
+            <a:off x="9297263" y="266700"/>
+            <a:ext cx="295275" cy="0"/>
+          </a:xfrm>
+          <a:prstGeom prst="line">
+            <a:avLst/>
+          </a:prstGeom>
+          <a:ln>
+            <a:solidFill>
+              <a:schemeClr val="bg1"/>
+            </a:solidFill>
+          </a:ln>
+        </p:spPr>
+        <p:style>
+          <a:lnRef idx="1">
+            <a:schemeClr val="accent1"/>
+          </a:lnRef>
+          <a:fillRef idx="0">
+            <a:schemeClr val="accent1"/>
+          </a:fillRef>
+          <a:effectRef idx="0">
+            <a:schemeClr val="accent1"/>
+          </a:effectRef>
+          <a:fontRef idx="minor">
+            <a:schemeClr val="tx1"/>
+          </a:fontRef>
+        </p:style>
+      </p:cxnSp>
+      <p:sp>
+        <p:nvSpPr>
+          <p:cNvPr id="12" name="직사각형 11"/>
+          <p:cNvSpPr/>
+          <p:nvPr/>
+        </p:nvSpPr>
+        <p:spPr>
+          <a:xfrm>
+            <a:off x="0" y="462722"/>
+            <a:ext cx="12192000" cy="471309"/>
+          </a:xfrm>
+          <a:prstGeom prst="rect">
+            <a:avLst/>
+          </a:prstGeom>
+          <a:solidFill>
+            <a:schemeClr val="bg1"/>
+          </a:solidFill>
+          <a:ln>
+            <a:noFill/>
+          </a:ln>
+        </p:spPr>
+        <p:style>
+          <a:lnRef idx="2">
+            <a:schemeClr val="accent1">
+              <a:shade val="50000"/>
+            </a:schemeClr>
+          </a:lnRef>
+          <a:fillRef idx="1">
+            <a:schemeClr val="accent1"/>
+          </a:fillRef>
+          <a:effectRef idx="0">
+            <a:schemeClr val="accent1"/>
+          </a:effectRef>
+          <a:fontRef idx="minor">
+            <a:schemeClr val="lt1"/>
+          </a:fontRef>
+        </p:style>
+        <p:txBody>
+          <a:bodyPr rtlCol="0" anchor="ctr"/>
+          <a:lstStyle/>
+          <a:p>
+            <a:pPr algn="ctr"/>
+            <a:endParaRPr lang="ko-KR" altLang="en-US"/>
+          </a:p>
+        </p:txBody>
+      </p:sp>
+      <p:sp>
+        <p:nvSpPr>
+          <p:cNvPr id="13" name="TextBox 12"/>
+          <p:cNvSpPr txBox="1"/>
+          <p:nvPr/>
+        </p:nvSpPr>
+        <p:spPr>
+          <a:xfrm>
+            <a:off x="1179169" y="493209"/>
+            <a:ext cx="1130438" cy="369332"/>
+          </a:xfrm>
+          <a:prstGeom prst="rect">
+            <a:avLst/>
+          </a:prstGeom>
+          <a:noFill/>
+        </p:spPr>
+        <p:txBody>
+          <a:bodyPr wrap="none" rtlCol="0">
+            <a:spAutoFit/>
+          </a:bodyPr>
+          <a:lstStyle/>
+          <a:p>
+            <a:r>
+              <a:rPr lang="en-US" altLang="ko-KR" dirty="0" smtClean="0">
+                <a:solidFill>
+                  <a:schemeClr val="bg1">
+                    <a:lumMod val="85000"/>
+                  </a:schemeClr>
+                </a:solidFill>
+              </a:rPr>
+              <a:t>1</a:t>
+            </a:r>
+            <a:r>
+              <a:rPr lang="ko-KR" altLang="en-US" dirty="0" smtClean="0">
+                <a:solidFill>
+                  <a:schemeClr val="bg1">
+                    <a:lumMod val="85000"/>
+                  </a:schemeClr>
+                </a:solidFill>
+              </a:rPr>
+              <a:t>대</a:t>
+            </a:r>
+            <a:r>
+              <a:rPr lang="en-US" altLang="ko-KR" dirty="0" smtClean="0">
+                <a:solidFill>
+                  <a:schemeClr val="bg1">
+                    <a:lumMod val="85000"/>
+                  </a:schemeClr>
+                </a:solidFill>
+              </a:rPr>
+              <a:t>1</a:t>
+            </a:r>
+            <a:r>
+              <a:rPr lang="ko-KR" altLang="en-US" dirty="0" smtClean="0">
+                <a:solidFill>
+                  <a:schemeClr val="bg1">
+                    <a:lumMod val="85000"/>
+                  </a:schemeClr>
+                </a:solidFill>
+              </a:rPr>
+              <a:t>문의</a:t>
+            </a:r>
+            <a:endParaRPr lang="ko-KR" altLang="en-US" dirty="0">
+              <a:solidFill>
+                <a:schemeClr val="bg1">
+                  <a:lumMod val="85000"/>
+                </a:schemeClr>
+              </a:solidFill>
+            </a:endParaRPr>
+          </a:p>
+        </p:txBody>
+      </p:sp>
+      <p:sp>
+        <p:nvSpPr>
+          <p:cNvPr id="14" name="TextBox 13"/>
+          <p:cNvSpPr txBox="1"/>
+          <p:nvPr/>
+        </p:nvSpPr>
+        <p:spPr>
+          <a:xfrm>
+            <a:off x="2358338" y="496862"/>
+            <a:ext cx="1107996" cy="369332"/>
+          </a:xfrm>
+          <a:prstGeom prst="rect">
+            <a:avLst/>
+          </a:prstGeom>
+          <a:noFill/>
+        </p:spPr>
+        <p:txBody>
+          <a:bodyPr wrap="none" rtlCol="0">
+            <a:spAutoFit/>
+          </a:bodyPr>
+          <a:lstStyle/>
+          <a:p>
+            <a:r>
+              <a:rPr lang="ko-KR" altLang="en-US" u="sng" dirty="0" smtClean="0">
+                <a:solidFill>
+                  <a:schemeClr val="accent4">
+                    <a:lumMod val="40000"/>
+                    <a:lumOff val="60000"/>
+                  </a:schemeClr>
+                </a:solidFill>
+              </a:rPr>
+              <a:t>공지사항</a:t>
+            </a:r>
+            <a:endParaRPr lang="ko-KR" altLang="en-US" u="sng" dirty="0">
+              <a:solidFill>
+                <a:schemeClr val="accent4">
+                  <a:lumMod val="40000"/>
+                  <a:lumOff val="60000"/>
+                </a:schemeClr>
+              </a:solidFill>
+            </a:endParaRPr>
+          </a:p>
+        </p:txBody>
+      </p:sp>
+      <p:sp>
+        <p:nvSpPr>
+          <p:cNvPr id="16" name="직사각형 15"/>
+          <p:cNvSpPr/>
+          <p:nvPr/>
+        </p:nvSpPr>
+        <p:spPr>
+          <a:xfrm>
+            <a:off x="4430684" y="1803861"/>
+            <a:ext cx="5611091" cy="4106487"/>
+          </a:xfrm>
+          <a:prstGeom prst="rect">
+            <a:avLst/>
+          </a:prstGeom>
+          <a:solidFill>
+            <a:schemeClr val="bg1"/>
+          </a:solidFill>
+          <a:ln>
+            <a:noFill/>
+          </a:ln>
+        </p:spPr>
+        <p:style>
+          <a:lnRef idx="2">
+            <a:schemeClr val="accent1">
+              <a:shade val="50000"/>
+            </a:schemeClr>
+          </a:lnRef>
+          <a:fillRef idx="1">
+            <a:schemeClr val="accent1"/>
+          </a:fillRef>
+          <a:effectRef idx="0">
+            <a:schemeClr val="accent1"/>
+          </a:effectRef>
+          <a:fontRef idx="minor">
+            <a:schemeClr val="lt1"/>
+          </a:fontRef>
+        </p:style>
+        <p:txBody>
+          <a:bodyPr rtlCol="0" anchor="ctr"/>
+          <a:lstStyle/>
+          <a:p>
+            <a:pPr algn="ctr"/>
+            <a:r>
+              <a:rPr lang="ko-KR" altLang="en-US" dirty="0" smtClean="0">
+                <a:solidFill>
+                  <a:schemeClr val="bg1">
+                    <a:lumMod val="75000"/>
+                  </a:schemeClr>
+                </a:solidFill>
+              </a:rPr>
+              <a:t>공지</a:t>
+            </a:r>
+            <a:r>
+              <a:rPr lang="en-US" altLang="ko-KR" dirty="0">
+                <a:solidFill>
+                  <a:schemeClr val="bg1">
+                    <a:lumMod val="75000"/>
+                  </a:schemeClr>
+                </a:solidFill>
+              </a:rPr>
+              <a:t>2</a:t>
+            </a:r>
+            <a:endParaRPr lang="en-US" altLang="ko-KR" dirty="0" smtClean="0">
+              <a:solidFill>
+                <a:schemeClr val="bg1">
+                  <a:lumMod val="75000"/>
+                </a:schemeClr>
+              </a:solidFill>
+            </a:endParaRPr>
+          </a:p>
+        </p:txBody>
+      </p:sp>
+      <p:sp>
+        <p:nvSpPr>
+          <p:cNvPr id="17" name="직사각형 16"/>
+          <p:cNvSpPr/>
+          <p:nvPr/>
+        </p:nvSpPr>
+        <p:spPr>
+          <a:xfrm>
+            <a:off x="1953491" y="1803862"/>
+            <a:ext cx="1853738" cy="4106487"/>
+          </a:xfrm>
+          <a:prstGeom prst="rect">
+            <a:avLst/>
+          </a:prstGeom>
+          <a:solidFill>
+            <a:schemeClr val="bg1"/>
+          </a:solidFill>
+          <a:ln>
+            <a:noFill/>
+          </a:ln>
+        </p:spPr>
+        <p:style>
+          <a:lnRef idx="2">
+            <a:schemeClr val="accent1">
+              <a:shade val="50000"/>
+            </a:schemeClr>
+          </a:lnRef>
+          <a:fillRef idx="1">
+            <a:schemeClr val="accent1"/>
+          </a:fillRef>
+          <a:effectRef idx="0">
+            <a:schemeClr val="accent1"/>
+          </a:effectRef>
+          <a:fontRef idx="minor">
+            <a:schemeClr val="lt1"/>
+          </a:fontRef>
+        </p:style>
+        <p:txBody>
+          <a:bodyPr rtlCol="0" anchor="ctr"/>
+          <a:lstStyle/>
+          <a:p>
+            <a:pPr algn="ctr"/>
+            <a:r>
+              <a:rPr lang="ko-KR" altLang="en-US" dirty="0" smtClean="0">
+                <a:solidFill>
+                  <a:schemeClr val="bg1">
+                    <a:lumMod val="75000"/>
+                  </a:schemeClr>
+                </a:solidFill>
+              </a:rPr>
+              <a:t>공지</a:t>
+            </a:r>
+            <a:r>
+              <a:rPr lang="en-US" altLang="ko-KR" dirty="0" smtClean="0">
+                <a:solidFill>
+                  <a:schemeClr val="bg1">
+                    <a:lumMod val="75000"/>
+                  </a:schemeClr>
+                </a:solidFill>
+              </a:rPr>
+              <a:t>1</a:t>
+            </a:r>
+          </a:p>
+          <a:p>
+            <a:pPr algn="ctr"/>
+            <a:r>
+              <a:rPr lang="ko-KR" altLang="en-US" dirty="0" smtClean="0">
+                <a:solidFill>
+                  <a:schemeClr val="bg1">
+                    <a:lumMod val="75000"/>
+                  </a:schemeClr>
+                </a:solidFill>
+              </a:rPr>
+              <a:t>공지</a:t>
+            </a:r>
+            <a:r>
+              <a:rPr lang="en-US" altLang="ko-KR" dirty="0" smtClean="0">
+                <a:solidFill>
+                  <a:schemeClr val="bg1">
+                    <a:lumMod val="75000"/>
+                  </a:schemeClr>
+                </a:solidFill>
+              </a:rPr>
+              <a:t>2</a:t>
+            </a:r>
+          </a:p>
+          <a:p>
+            <a:pPr algn="ctr"/>
+            <a:r>
+              <a:rPr lang="ko-KR" altLang="en-US" dirty="0" smtClean="0">
+                <a:solidFill>
+                  <a:schemeClr val="bg1">
+                    <a:lumMod val="75000"/>
+                  </a:schemeClr>
+                </a:solidFill>
+              </a:rPr>
+              <a:t>공지</a:t>
+            </a:r>
+            <a:r>
+              <a:rPr lang="en-US" altLang="ko-KR" dirty="0" smtClean="0">
+                <a:solidFill>
+                  <a:schemeClr val="bg1">
+                    <a:lumMod val="75000"/>
+                  </a:schemeClr>
+                </a:solidFill>
+              </a:rPr>
+              <a:t>3</a:t>
+            </a:r>
+          </a:p>
+          <a:p>
+            <a:pPr algn="ctr"/>
+            <a:endParaRPr lang="ko-KR" altLang="en-US" dirty="0"/>
+          </a:p>
+        </p:txBody>
+      </p:sp>
+    </p:spTree>
+    <p:extLst>
+      <p:ext uri="{BB962C8B-B14F-4D97-AF65-F5344CB8AC3E}">
+        <p14:creationId xmlns:p14="http://schemas.microsoft.com/office/powerpoint/2010/main" val="2968131659"/>
+      </p:ext>
+    </p:extLst>
+  </p:cSld>
+  <p:clrMapOvr>
+    <a:masterClrMapping/>
+  </p:clrMapOvr>
+</p:sld>
+</file>
+
+<file path=ppt/slides/slide17.xml><?xml version="1.0" encoding="utf-8"?>
+<p:sld xmlns:a="http://schemas.openxmlformats.org/drawingml/2006/main" xmlns:r="http://schemas.openxmlformats.org/officeDocument/2006/relationships" xmlns:p="http://schemas.openxmlformats.org/presentationml/2006/main">
+  <p:cSld>
+    <p:bg>
+      <p:bgPr>
+        <a:solidFill>
+          <a:schemeClr val="bg1">
+            <a:lumMod val="95000"/>
+          </a:schemeClr>
+        </a:solidFill>
+        <a:effectLst/>
+      </p:bgPr>
+    </p:bg>
+    <p:spTree>
+      <p:nvGrpSpPr>
+        <p:cNvPr id="1" name=""/>
+        <p:cNvGrpSpPr/>
+        <p:nvPr/>
+      </p:nvGrpSpPr>
+      <p:grpSpPr>
+        <a:xfrm>
+          <a:off x="0" y="0"/>
+          <a:ext cx="0" cy="0"/>
+          <a:chOff x="0" y="0"/>
+          <a:chExt cx="0" cy="0"/>
+        </a:xfrm>
+      </p:grpSpPr>
+      <p:sp>
+        <p:nvSpPr>
+          <p:cNvPr id="4" name="직사각형 3"/>
+          <p:cNvSpPr/>
+          <p:nvPr/>
+        </p:nvSpPr>
+        <p:spPr>
+          <a:xfrm>
+            <a:off x="0" y="0"/>
+            <a:ext cx="12192000" cy="471309"/>
+          </a:xfrm>
+          <a:prstGeom prst="rect">
+            <a:avLst/>
+          </a:prstGeom>
+          <a:solidFill>
+            <a:schemeClr val="accent4">
+              <a:lumMod val="40000"/>
+              <a:lumOff val="60000"/>
+            </a:schemeClr>
+          </a:solidFill>
+          <a:ln>
+            <a:noFill/>
+          </a:ln>
+        </p:spPr>
+        <p:style>
+          <a:lnRef idx="2">
+            <a:schemeClr val="accent1">
+              <a:shade val="50000"/>
+            </a:schemeClr>
+          </a:lnRef>
+          <a:fillRef idx="1">
+            <a:schemeClr val="accent1"/>
+          </a:fillRef>
+          <a:effectRef idx="0">
+            <a:schemeClr val="accent1"/>
+          </a:effectRef>
+          <a:fontRef idx="minor">
+            <a:schemeClr val="lt1"/>
+          </a:fontRef>
+        </p:style>
+        <p:txBody>
+          <a:bodyPr rtlCol="0" anchor="ctr"/>
+          <a:lstStyle/>
+          <a:p>
+            <a:pPr algn="ctr"/>
+            <a:endParaRPr lang="ko-KR" altLang="en-US"/>
+          </a:p>
+        </p:txBody>
+      </p:sp>
+      <p:sp>
+        <p:nvSpPr>
+          <p:cNvPr id="5" name="TextBox 4"/>
+          <p:cNvSpPr txBox="1"/>
+          <p:nvPr/>
+        </p:nvSpPr>
+        <p:spPr>
+          <a:xfrm>
+            <a:off x="3533775" y="46696"/>
+            <a:ext cx="1107996" cy="369332"/>
+          </a:xfrm>
+          <a:prstGeom prst="rect">
+            <a:avLst/>
+          </a:prstGeom>
+          <a:noFill/>
+        </p:spPr>
+        <p:txBody>
+          <a:bodyPr wrap="none" rtlCol="0">
+            <a:spAutoFit/>
+          </a:bodyPr>
+          <a:lstStyle/>
+          <a:p>
+            <a:r>
+              <a:rPr lang="ko-KR" altLang="en-US" dirty="0" smtClean="0">
+                <a:solidFill>
+                  <a:schemeClr val="bg1"/>
+                </a:solidFill>
+              </a:rPr>
+              <a:t>고객센터</a:t>
+            </a:r>
+            <a:endParaRPr lang="ko-KR" altLang="en-US" dirty="0">
+              <a:solidFill>
+                <a:schemeClr val="bg1"/>
+              </a:solidFill>
+            </a:endParaRPr>
+          </a:p>
+        </p:txBody>
+      </p:sp>
+      <p:pic>
+        <p:nvPicPr>
+          <p:cNvPr id="6" name="그림 5"/>
+          <p:cNvPicPr>
+            <a:picLocks noChangeAspect="1"/>
+          </p:cNvPicPr>
+          <p:nvPr/>
+        </p:nvPicPr>
+        <p:blipFill>
+          <a:blip r:embed="rId2"/>
+          <a:stretch>
+            <a:fillRect/>
+          </a:stretch>
+        </p:blipFill>
+        <p:spPr>
+          <a:xfrm>
+            <a:off x="2657816" y="21901"/>
+            <a:ext cx="808518" cy="418921"/>
+          </a:xfrm>
+          <a:prstGeom prst="rect">
+            <a:avLst/>
+          </a:prstGeom>
+        </p:spPr>
+      </p:pic>
+      <p:sp>
+        <p:nvSpPr>
+          <p:cNvPr id="7" name="TextBox 6"/>
+          <p:cNvSpPr txBox="1"/>
+          <p:nvPr/>
+        </p:nvSpPr>
+        <p:spPr>
+          <a:xfrm>
+            <a:off x="8420100" y="46695"/>
+            <a:ext cx="877163" cy="369332"/>
+          </a:xfrm>
+          <a:prstGeom prst="rect">
+            <a:avLst/>
+          </a:prstGeom>
+          <a:noFill/>
+        </p:spPr>
+        <p:txBody>
+          <a:bodyPr wrap="none" rtlCol="0">
+            <a:spAutoFit/>
+          </a:bodyPr>
+          <a:lstStyle/>
+          <a:p>
+            <a:r>
+              <a:rPr lang="ko-KR" altLang="en-US" dirty="0" smtClean="0">
+                <a:solidFill>
+                  <a:schemeClr val="bg1"/>
+                </a:solidFill>
+              </a:rPr>
+              <a:t>닉네임</a:t>
+            </a:r>
+            <a:endParaRPr lang="ko-KR" altLang="en-US" dirty="0">
+              <a:solidFill>
+                <a:schemeClr val="bg1"/>
+              </a:solidFill>
+            </a:endParaRPr>
+          </a:p>
+        </p:txBody>
+      </p:sp>
+      <p:cxnSp>
+        <p:nvCxnSpPr>
+          <p:cNvPr id="8" name="직선 연결선 7"/>
+          <p:cNvCxnSpPr/>
+          <p:nvPr/>
+        </p:nvCxnSpPr>
+        <p:spPr>
+          <a:xfrm>
+            <a:off x="9297263" y="180975"/>
+            <a:ext cx="295275" cy="0"/>
+          </a:xfrm>
+          <a:prstGeom prst="line">
+            <a:avLst/>
+          </a:prstGeom>
+          <a:ln>
+            <a:solidFill>
+              <a:schemeClr val="bg1"/>
+            </a:solidFill>
+          </a:ln>
+        </p:spPr>
+        <p:style>
+          <a:lnRef idx="1">
+            <a:schemeClr val="accent1"/>
+          </a:lnRef>
+          <a:fillRef idx="0">
+            <a:schemeClr val="accent1"/>
+          </a:fillRef>
+          <a:effectRef idx="0">
+            <a:schemeClr val="accent1"/>
+          </a:effectRef>
+          <a:fontRef idx="minor">
+            <a:schemeClr val="tx1"/>
+          </a:fontRef>
+        </p:style>
+      </p:cxnSp>
+      <p:cxnSp>
+        <p:nvCxnSpPr>
+          <p:cNvPr id="9" name="직선 연결선 8"/>
+          <p:cNvCxnSpPr/>
+          <p:nvPr/>
+        </p:nvCxnSpPr>
+        <p:spPr>
+          <a:xfrm>
+            <a:off x="9297263" y="114300"/>
+            <a:ext cx="295275" cy="0"/>
+          </a:xfrm>
+          <a:prstGeom prst="line">
+            <a:avLst/>
+          </a:prstGeom>
+          <a:ln>
+            <a:solidFill>
+              <a:schemeClr val="bg1"/>
+            </a:solidFill>
+          </a:ln>
+        </p:spPr>
+        <p:style>
+          <a:lnRef idx="1">
+            <a:schemeClr val="accent1"/>
+          </a:lnRef>
+          <a:fillRef idx="0">
+            <a:schemeClr val="accent1"/>
+          </a:fillRef>
+          <a:effectRef idx="0">
+            <a:schemeClr val="accent1"/>
+          </a:effectRef>
+          <a:fontRef idx="minor">
+            <a:schemeClr val="tx1"/>
+          </a:fontRef>
+        </p:style>
+      </p:cxnSp>
+      <p:cxnSp>
+        <p:nvCxnSpPr>
+          <p:cNvPr id="10" name="직선 연결선 9"/>
+          <p:cNvCxnSpPr/>
+          <p:nvPr/>
+        </p:nvCxnSpPr>
+        <p:spPr>
+          <a:xfrm>
+            <a:off x="9297263" y="333375"/>
+            <a:ext cx="295275" cy="0"/>
+          </a:xfrm>
+          <a:prstGeom prst="line">
+            <a:avLst/>
+          </a:prstGeom>
+          <a:ln>
+            <a:solidFill>
+              <a:schemeClr val="bg1"/>
+            </a:solidFill>
+          </a:ln>
+        </p:spPr>
+        <p:style>
+          <a:lnRef idx="1">
+            <a:schemeClr val="accent1"/>
+          </a:lnRef>
+          <a:fillRef idx="0">
+            <a:schemeClr val="accent1"/>
+          </a:fillRef>
+          <a:effectRef idx="0">
+            <a:schemeClr val="accent1"/>
+          </a:effectRef>
+          <a:fontRef idx="minor">
+            <a:schemeClr val="tx1"/>
+          </a:fontRef>
+        </p:style>
+      </p:cxnSp>
+      <p:cxnSp>
+        <p:nvCxnSpPr>
+          <p:cNvPr id="11" name="직선 연결선 10"/>
+          <p:cNvCxnSpPr/>
+          <p:nvPr/>
+        </p:nvCxnSpPr>
+        <p:spPr>
+          <a:xfrm>
+            <a:off x="9297263" y="266700"/>
+            <a:ext cx="295275" cy="0"/>
+          </a:xfrm>
+          <a:prstGeom prst="line">
+            <a:avLst/>
+          </a:prstGeom>
+          <a:ln>
+            <a:solidFill>
+              <a:schemeClr val="bg1"/>
+            </a:solidFill>
+          </a:ln>
+        </p:spPr>
+        <p:style>
+          <a:lnRef idx="1">
+            <a:schemeClr val="accent1"/>
+          </a:lnRef>
+          <a:fillRef idx="0">
+            <a:schemeClr val="accent1"/>
+          </a:fillRef>
+          <a:effectRef idx="0">
+            <a:schemeClr val="accent1"/>
+          </a:effectRef>
+          <a:fontRef idx="minor">
+            <a:schemeClr val="tx1"/>
+          </a:fontRef>
+        </p:style>
+      </p:cxnSp>
+      <p:sp>
+        <p:nvSpPr>
+          <p:cNvPr id="12" name="직사각형 11"/>
+          <p:cNvSpPr/>
+          <p:nvPr/>
+        </p:nvSpPr>
+        <p:spPr>
+          <a:xfrm>
+            <a:off x="0" y="462722"/>
+            <a:ext cx="12192000" cy="471309"/>
+          </a:xfrm>
+          <a:prstGeom prst="rect">
+            <a:avLst/>
+          </a:prstGeom>
+          <a:solidFill>
+            <a:schemeClr val="bg1"/>
+          </a:solidFill>
+          <a:ln>
+            <a:noFill/>
+          </a:ln>
+        </p:spPr>
+        <p:style>
+          <a:lnRef idx="2">
+            <a:schemeClr val="accent1">
+              <a:shade val="50000"/>
+            </a:schemeClr>
+          </a:lnRef>
+          <a:fillRef idx="1">
+            <a:schemeClr val="accent1"/>
+          </a:fillRef>
+          <a:effectRef idx="0">
+            <a:schemeClr val="accent1"/>
+          </a:effectRef>
+          <a:fontRef idx="minor">
+            <a:schemeClr val="lt1"/>
+          </a:fontRef>
+        </p:style>
+        <p:txBody>
+          <a:bodyPr rtlCol="0" anchor="ctr"/>
+          <a:lstStyle/>
+          <a:p>
+            <a:pPr algn="ctr"/>
+            <a:endParaRPr lang="ko-KR" altLang="en-US"/>
+          </a:p>
+        </p:txBody>
+      </p:sp>
+      <p:sp>
+        <p:nvSpPr>
+          <p:cNvPr id="13" name="TextBox 12"/>
+          <p:cNvSpPr txBox="1"/>
+          <p:nvPr/>
+        </p:nvSpPr>
+        <p:spPr>
+          <a:xfrm>
+            <a:off x="1179169" y="509418"/>
+            <a:ext cx="1130438" cy="369332"/>
+          </a:xfrm>
+          <a:prstGeom prst="rect">
+            <a:avLst/>
+          </a:prstGeom>
+          <a:noFill/>
+        </p:spPr>
+        <p:txBody>
+          <a:bodyPr wrap="none" rtlCol="0">
+            <a:spAutoFit/>
+          </a:bodyPr>
+          <a:lstStyle/>
+          <a:p>
+            <a:r>
+              <a:rPr lang="en-US" altLang="ko-KR" u="sng" dirty="0" smtClean="0">
+                <a:solidFill>
+                  <a:schemeClr val="accent4">
+                    <a:lumMod val="40000"/>
+                    <a:lumOff val="60000"/>
+                  </a:schemeClr>
+                </a:solidFill>
+              </a:rPr>
+              <a:t>1</a:t>
+            </a:r>
+            <a:r>
+              <a:rPr lang="ko-KR" altLang="en-US" u="sng" dirty="0" smtClean="0">
+                <a:solidFill>
+                  <a:schemeClr val="accent4">
+                    <a:lumMod val="40000"/>
+                    <a:lumOff val="60000"/>
+                  </a:schemeClr>
+                </a:solidFill>
+              </a:rPr>
+              <a:t>대</a:t>
+            </a:r>
+            <a:r>
+              <a:rPr lang="en-US" altLang="ko-KR" u="sng" dirty="0" smtClean="0">
+                <a:solidFill>
+                  <a:schemeClr val="accent4">
+                    <a:lumMod val="40000"/>
+                    <a:lumOff val="60000"/>
+                  </a:schemeClr>
+                </a:solidFill>
+              </a:rPr>
+              <a:t>1</a:t>
+            </a:r>
+            <a:r>
+              <a:rPr lang="ko-KR" altLang="en-US" u="sng" dirty="0" smtClean="0">
+                <a:solidFill>
+                  <a:schemeClr val="accent4">
+                    <a:lumMod val="40000"/>
+                    <a:lumOff val="60000"/>
+                  </a:schemeClr>
+                </a:solidFill>
+              </a:rPr>
+              <a:t>문의</a:t>
+            </a:r>
+            <a:endParaRPr lang="ko-KR" altLang="en-US" u="sng" dirty="0">
+              <a:solidFill>
+                <a:schemeClr val="accent4">
+                  <a:lumMod val="40000"/>
+                  <a:lumOff val="60000"/>
+                </a:schemeClr>
+              </a:solidFill>
+            </a:endParaRPr>
+          </a:p>
+        </p:txBody>
+      </p:sp>
+      <p:sp>
+        <p:nvSpPr>
+          <p:cNvPr id="14" name="TextBox 13"/>
+          <p:cNvSpPr txBox="1"/>
+          <p:nvPr/>
+        </p:nvSpPr>
+        <p:spPr>
+          <a:xfrm>
+            <a:off x="2358338" y="518003"/>
+            <a:ext cx="1107996" cy="369332"/>
+          </a:xfrm>
+          <a:prstGeom prst="rect">
+            <a:avLst/>
+          </a:prstGeom>
+          <a:noFill/>
+        </p:spPr>
+        <p:txBody>
+          <a:bodyPr wrap="none" rtlCol="0">
+            <a:spAutoFit/>
+          </a:bodyPr>
+          <a:lstStyle/>
+          <a:p>
+            <a:r>
+              <a:rPr lang="ko-KR" altLang="en-US" dirty="0" smtClean="0">
+                <a:solidFill>
+                  <a:schemeClr val="bg1">
+                    <a:lumMod val="85000"/>
+                  </a:schemeClr>
+                </a:solidFill>
+              </a:rPr>
+              <a:t>공지사항</a:t>
+            </a:r>
+            <a:endParaRPr lang="ko-KR" altLang="en-US" dirty="0">
+              <a:solidFill>
+                <a:schemeClr val="bg1">
+                  <a:lumMod val="85000"/>
+                </a:schemeClr>
+              </a:solidFill>
+            </a:endParaRPr>
+          </a:p>
+        </p:txBody>
+      </p:sp>
+      <p:sp>
+        <p:nvSpPr>
+          <p:cNvPr id="19" name="직사각형 18"/>
+          <p:cNvSpPr/>
+          <p:nvPr/>
+        </p:nvSpPr>
+        <p:spPr>
+          <a:xfrm>
+            <a:off x="1985467" y="1803859"/>
+            <a:ext cx="1853738" cy="4106487"/>
+          </a:xfrm>
+          <a:prstGeom prst="rect">
+            <a:avLst/>
+          </a:prstGeom>
+          <a:solidFill>
+            <a:schemeClr val="bg1"/>
+          </a:solidFill>
+          <a:ln>
+            <a:noFill/>
+          </a:ln>
+        </p:spPr>
+        <p:style>
+          <a:lnRef idx="2">
+            <a:schemeClr val="accent1">
+              <a:shade val="50000"/>
+            </a:schemeClr>
+          </a:lnRef>
+          <a:fillRef idx="1">
+            <a:schemeClr val="accent1"/>
+          </a:fillRef>
+          <a:effectRef idx="0">
+            <a:schemeClr val="accent1"/>
+          </a:effectRef>
+          <a:fontRef idx="minor">
+            <a:schemeClr val="lt1"/>
+          </a:fontRef>
+        </p:style>
+        <p:txBody>
+          <a:bodyPr rtlCol="0" anchor="ctr"/>
+          <a:lstStyle/>
+          <a:p>
+            <a:pPr algn="ctr"/>
+            <a:r>
+              <a:rPr lang="ko-KR" altLang="en-US" dirty="0" smtClean="0">
+                <a:solidFill>
+                  <a:schemeClr val="bg1">
+                    <a:lumMod val="75000"/>
+                  </a:schemeClr>
+                </a:solidFill>
+              </a:rPr>
+              <a:t>공지</a:t>
+            </a:r>
+            <a:r>
+              <a:rPr lang="en-US" altLang="ko-KR" dirty="0" smtClean="0">
+                <a:solidFill>
+                  <a:schemeClr val="bg1">
+                    <a:lumMod val="75000"/>
+                  </a:schemeClr>
+                </a:solidFill>
+              </a:rPr>
+              <a:t>1</a:t>
+            </a:r>
+          </a:p>
+          <a:p>
+            <a:pPr algn="ctr"/>
+            <a:r>
+              <a:rPr lang="ko-KR" altLang="en-US" dirty="0" smtClean="0">
+                <a:solidFill>
+                  <a:schemeClr val="bg1">
+                    <a:lumMod val="75000"/>
+                  </a:schemeClr>
+                </a:solidFill>
+              </a:rPr>
+              <a:t>공지</a:t>
+            </a:r>
+            <a:r>
+              <a:rPr lang="en-US" altLang="ko-KR" dirty="0" smtClean="0">
+                <a:solidFill>
+                  <a:schemeClr val="bg1">
+                    <a:lumMod val="75000"/>
+                  </a:schemeClr>
+                </a:solidFill>
+              </a:rPr>
+              <a:t>2</a:t>
+            </a:r>
+          </a:p>
+          <a:p>
+            <a:pPr algn="ctr"/>
+            <a:r>
+              <a:rPr lang="ko-KR" altLang="en-US" dirty="0" smtClean="0">
+                <a:solidFill>
+                  <a:schemeClr val="bg1">
+                    <a:lumMod val="75000"/>
+                  </a:schemeClr>
+                </a:solidFill>
+              </a:rPr>
+              <a:t>공지</a:t>
+            </a:r>
+            <a:r>
+              <a:rPr lang="en-US" altLang="ko-KR" dirty="0" smtClean="0">
+                <a:solidFill>
+                  <a:schemeClr val="bg1">
+                    <a:lumMod val="75000"/>
+                  </a:schemeClr>
+                </a:solidFill>
+              </a:rPr>
+              <a:t>3</a:t>
+            </a:r>
+          </a:p>
+          <a:p>
+            <a:pPr algn="ctr"/>
+            <a:endParaRPr lang="ko-KR" altLang="en-US" dirty="0"/>
+          </a:p>
+        </p:txBody>
+      </p:sp>
+      <p:sp>
+        <p:nvSpPr>
+          <p:cNvPr id="20" name="직사각형 19"/>
+          <p:cNvSpPr/>
+          <p:nvPr/>
+        </p:nvSpPr>
+        <p:spPr>
+          <a:xfrm>
+            <a:off x="4466706" y="1803859"/>
+            <a:ext cx="5611091" cy="4106487"/>
+          </a:xfrm>
+          <a:prstGeom prst="rect">
+            <a:avLst/>
+          </a:prstGeom>
+          <a:solidFill>
+            <a:schemeClr val="bg1"/>
+          </a:solidFill>
+          <a:ln>
+            <a:noFill/>
+          </a:ln>
+        </p:spPr>
+        <p:style>
+          <a:lnRef idx="2">
+            <a:schemeClr val="accent1">
+              <a:shade val="50000"/>
+            </a:schemeClr>
+          </a:lnRef>
+          <a:fillRef idx="1">
+            <a:schemeClr val="accent1"/>
+          </a:fillRef>
+          <a:effectRef idx="0">
+            <a:schemeClr val="accent1"/>
+          </a:effectRef>
+          <a:fontRef idx="minor">
+            <a:schemeClr val="lt1"/>
+          </a:fontRef>
+        </p:style>
+        <p:txBody>
+          <a:bodyPr rtlCol="0" anchor="ctr"/>
+          <a:lstStyle/>
+          <a:p>
+            <a:pPr algn="ctr"/>
+            <a:r>
+              <a:rPr lang="ko-KR" altLang="en-US" dirty="0" smtClean="0">
+                <a:solidFill>
+                  <a:schemeClr val="bg1">
+                    <a:lumMod val="75000"/>
+                  </a:schemeClr>
+                </a:solidFill>
+              </a:rPr>
+              <a:t>공지</a:t>
+            </a:r>
+            <a:r>
+              <a:rPr lang="en-US" altLang="ko-KR" dirty="0">
+                <a:solidFill>
+                  <a:schemeClr val="bg1">
+                    <a:lumMod val="75000"/>
+                  </a:schemeClr>
+                </a:solidFill>
+              </a:rPr>
+              <a:t>2</a:t>
+            </a:r>
+            <a:endParaRPr lang="en-US" altLang="ko-KR" dirty="0" smtClean="0">
+              <a:solidFill>
+                <a:schemeClr val="bg1">
+                  <a:lumMod val="75000"/>
+                </a:schemeClr>
+              </a:solidFill>
+            </a:endParaRPr>
+          </a:p>
+        </p:txBody>
+      </p:sp>
+    </p:spTree>
+    <p:extLst>
+      <p:ext uri="{BB962C8B-B14F-4D97-AF65-F5344CB8AC3E}">
+        <p14:creationId xmlns:p14="http://schemas.microsoft.com/office/powerpoint/2010/main" val="2797025878"/>
+      </p:ext>
+    </p:extLst>
+  </p:cSld>
+  <p:clrMapOvr>
+    <a:masterClrMapping/>
+  </p:clrMapOvr>
+</p:sld>
+</file>
+
+<file path=ppt/slides/slide18.xml><?xml version="1.0" encoding="utf-8"?>
+<p:sld xmlns:a="http://schemas.openxmlformats.org/drawingml/2006/main" xmlns:r="http://schemas.openxmlformats.org/officeDocument/2006/relationships" xmlns:p="http://schemas.openxmlformats.org/presentationml/2006/main">
+  <p:cSld>
+    <p:spTree>
+      <p:nvGrpSpPr>
+        <p:cNvPr id="1" name=""/>
+        <p:cNvGrpSpPr/>
+        <p:nvPr/>
+      </p:nvGrpSpPr>
+      <p:grpSpPr>
+        <a:xfrm>
+          <a:off x="0" y="0"/>
+          <a:ext cx="0" cy="0"/>
+          <a:chOff x="0" y="0"/>
+          <a:chExt cx="0" cy="0"/>
+        </a:xfrm>
+      </p:grpSpPr>
+      <p:sp>
+        <p:nvSpPr>
+          <p:cNvPr id="6" name="TextBox 5"/>
+          <p:cNvSpPr txBox="1"/>
+          <p:nvPr/>
+        </p:nvSpPr>
+        <p:spPr>
+          <a:xfrm>
+            <a:off x="0" y="6364844"/>
+            <a:ext cx="1249060" cy="369332"/>
+          </a:xfrm>
+          <a:prstGeom prst="rect">
+            <a:avLst/>
+          </a:prstGeom>
+          <a:noFill/>
+        </p:spPr>
+        <p:txBody>
+          <a:bodyPr wrap="none" rtlCol="0">
+            <a:spAutoFit/>
+          </a:bodyPr>
+          <a:lstStyle/>
+          <a:p>
+            <a:r>
+              <a:rPr lang="ko-KR" altLang="en-US" dirty="0" smtClean="0"/>
+              <a:t>신고</a:t>
+            </a:r>
+            <a:r>
+              <a:rPr lang="en-US" altLang="ko-KR" dirty="0" smtClean="0"/>
+              <a:t>(</a:t>
+            </a:r>
+            <a:r>
+              <a:rPr lang="ko-KR" altLang="en-US" dirty="0" smtClean="0"/>
+              <a:t>팝업</a:t>
+            </a:r>
+            <a:r>
+              <a:rPr lang="en-US" altLang="ko-KR" dirty="0" smtClean="0"/>
+              <a:t>)</a:t>
+            </a:r>
+            <a:endParaRPr lang="ko-KR" altLang="en-US" dirty="0"/>
+          </a:p>
+        </p:txBody>
+      </p:sp>
+      <p:sp>
+        <p:nvSpPr>
+          <p:cNvPr id="7" name="직사각형 6"/>
+          <p:cNvSpPr/>
+          <p:nvPr/>
+        </p:nvSpPr>
+        <p:spPr>
+          <a:xfrm>
+            <a:off x="2585258" y="1213658"/>
+            <a:ext cx="6932814" cy="4463935"/>
+          </a:xfrm>
+          <a:prstGeom prst="rect">
+            <a:avLst/>
+          </a:prstGeom>
+          <a:solidFill>
+            <a:schemeClr val="accent4">
+              <a:lumMod val="20000"/>
+              <a:lumOff val="80000"/>
+            </a:schemeClr>
+          </a:solidFill>
+          <a:ln>
+            <a:noFill/>
+          </a:ln>
+        </p:spPr>
+        <p:style>
+          <a:lnRef idx="2">
+            <a:schemeClr val="accent1">
+              <a:shade val="50000"/>
+            </a:schemeClr>
+          </a:lnRef>
+          <a:fillRef idx="1">
+            <a:schemeClr val="accent1"/>
+          </a:fillRef>
+          <a:effectRef idx="0">
+            <a:schemeClr val="accent1"/>
+          </a:effectRef>
+          <a:fontRef idx="minor">
+            <a:schemeClr val="lt1"/>
+          </a:fontRef>
+        </p:style>
+        <p:txBody>
+          <a:bodyPr rtlCol="0" anchor="ctr"/>
+          <a:lstStyle/>
+          <a:p>
+            <a:pPr algn="ctr"/>
+            <a:endParaRPr lang="ko-KR" altLang="en-US" dirty="0">
+              <a:solidFill>
+                <a:schemeClr val="tx1"/>
+              </a:solidFill>
+            </a:endParaRPr>
+          </a:p>
+        </p:txBody>
+      </p:sp>
+      <p:pic>
+        <p:nvPicPr>
+          <p:cNvPr id="8" name="그림 7"/>
+          <p:cNvPicPr>
+            <a:picLocks noChangeAspect="1"/>
+          </p:cNvPicPr>
+          <p:nvPr/>
+        </p:nvPicPr>
+        <p:blipFill>
+          <a:blip r:embed="rId2"/>
+          <a:stretch>
+            <a:fillRect/>
+          </a:stretch>
+        </p:blipFill>
+        <p:spPr>
+          <a:xfrm>
+            <a:off x="3490912" y="1376362"/>
+            <a:ext cx="5210175" cy="4105275"/>
+          </a:xfrm>
+          <a:prstGeom prst="rect">
+            <a:avLst/>
+          </a:prstGeom>
+        </p:spPr>
+      </p:pic>
+    </p:spTree>
+    <p:extLst>
+      <p:ext uri="{BB962C8B-B14F-4D97-AF65-F5344CB8AC3E}">
+        <p14:creationId xmlns:p14="http://schemas.microsoft.com/office/powerpoint/2010/main" val="1756888063"/>
+      </p:ext>
+    </p:extLst>
+  </p:cSld>
+  <p:clrMapOvr>
+    <a:masterClrMapping/>
+  </p:clrMapOvr>
+</p:sld>
+</file>
+
+<file path=ppt/slides/slide19.xml><?xml version="1.0" encoding="utf-8"?>
+<p:sld xmlns:a="http://schemas.openxmlformats.org/drawingml/2006/main" xmlns:r="http://schemas.openxmlformats.org/officeDocument/2006/relationships" xmlns:p="http://schemas.openxmlformats.org/presentationml/2006/main">
+  <p:cSld>
+    <p:spTree>
+      <p:nvGrpSpPr>
+        <p:cNvPr id="1" name=""/>
+        <p:cNvGrpSpPr/>
+        <p:nvPr/>
+      </p:nvGrpSpPr>
+      <p:grpSpPr>
+        <a:xfrm>
+          <a:off x="0" y="0"/>
+          <a:ext cx="0" cy="0"/>
+          <a:chOff x="0" y="0"/>
+          <a:chExt cx="0" cy="0"/>
+        </a:xfrm>
+      </p:grpSpPr>
+      <p:sp>
+        <p:nvSpPr>
+          <p:cNvPr id="4" name="직사각형 3"/>
+          <p:cNvSpPr/>
+          <p:nvPr/>
+        </p:nvSpPr>
+        <p:spPr>
+          <a:xfrm>
+            <a:off x="2701637" y="1047403"/>
+            <a:ext cx="6932814" cy="4463935"/>
+          </a:xfrm>
+          <a:prstGeom prst="rect">
+            <a:avLst/>
+          </a:prstGeom>
+          <a:solidFill>
+            <a:schemeClr val="accent4">
+              <a:lumMod val="20000"/>
+              <a:lumOff val="80000"/>
+            </a:schemeClr>
+          </a:solidFill>
+          <a:ln>
+            <a:noFill/>
+          </a:ln>
+        </p:spPr>
+        <p:style>
+          <a:lnRef idx="2">
+            <a:schemeClr val="accent1">
+              <a:shade val="50000"/>
+            </a:schemeClr>
+          </a:lnRef>
+          <a:fillRef idx="1">
+            <a:schemeClr val="accent1"/>
+          </a:fillRef>
+          <a:effectRef idx="0">
+            <a:schemeClr val="accent1"/>
+          </a:effectRef>
+          <a:fontRef idx="minor">
+            <a:schemeClr val="lt1"/>
+          </a:fontRef>
+        </p:style>
+        <p:txBody>
+          <a:bodyPr rtlCol="0" anchor="ctr"/>
+          <a:lstStyle/>
+          <a:p>
+            <a:pPr marL="342900" indent="-342900" algn="ctr">
+              <a:buAutoNum type="arabicPeriod"/>
+            </a:pPr>
+            <a:r>
+              <a:rPr lang="ko-KR" altLang="en-US" dirty="0" err="1" smtClean="0">
+                <a:solidFill>
+                  <a:schemeClr val="tx1"/>
+                </a:solidFill>
+              </a:rPr>
+              <a:t>검색어를</a:t>
+            </a:r>
+            <a:r>
+              <a:rPr lang="ko-KR" altLang="en-US" dirty="0" smtClean="0">
+                <a:solidFill>
+                  <a:schemeClr val="tx1"/>
+                </a:solidFill>
+              </a:rPr>
+              <a:t> 묻는다</a:t>
+            </a:r>
+            <a:endParaRPr lang="en-US" altLang="ko-KR" dirty="0" smtClean="0">
+              <a:solidFill>
+                <a:schemeClr val="tx1"/>
+              </a:solidFill>
+            </a:endParaRPr>
+          </a:p>
+          <a:p>
+            <a:pPr marL="342900" indent="-342900" algn="ctr">
+              <a:buAutoNum type="arabicPeriod"/>
+            </a:pPr>
+            <a:r>
+              <a:rPr lang="ko-KR" altLang="en-US" dirty="0" smtClean="0">
+                <a:solidFill>
+                  <a:schemeClr val="tx1"/>
+                </a:solidFill>
+              </a:rPr>
+              <a:t>검색어의 카테고리 분류</a:t>
+            </a:r>
+            <a:endParaRPr lang="en-US" altLang="ko-KR" dirty="0" smtClean="0">
+              <a:solidFill>
+                <a:schemeClr val="tx1"/>
+              </a:solidFill>
+            </a:endParaRPr>
+          </a:p>
+          <a:p>
+            <a:pPr marL="342900" indent="-342900" algn="ctr">
+              <a:buAutoNum type="arabicPeriod"/>
+            </a:pPr>
+            <a:r>
+              <a:rPr lang="ko-KR" altLang="en-US" dirty="0" smtClean="0">
+                <a:solidFill>
+                  <a:schemeClr val="tx1"/>
+                </a:solidFill>
+              </a:rPr>
+              <a:t>관련 자료나 이미지</a:t>
+            </a:r>
+            <a:endParaRPr lang="en-US" altLang="ko-KR" dirty="0" smtClean="0">
+              <a:solidFill>
+                <a:schemeClr val="tx1"/>
+              </a:solidFill>
+            </a:endParaRPr>
+          </a:p>
+          <a:p>
+            <a:pPr marL="342900" indent="-342900" algn="ctr">
+              <a:buAutoNum type="arabicPeriod"/>
+            </a:pPr>
+            <a:r>
+              <a:rPr lang="ko-KR" altLang="en-US" dirty="0" smtClean="0">
+                <a:solidFill>
+                  <a:schemeClr val="tx1"/>
+                </a:solidFill>
+              </a:rPr>
+              <a:t>등록 완료</a:t>
+            </a:r>
+            <a:endParaRPr lang="ko-KR" altLang="en-US" dirty="0">
+              <a:solidFill>
+                <a:schemeClr val="tx1"/>
+              </a:solidFill>
+            </a:endParaRPr>
+          </a:p>
+        </p:txBody>
+      </p:sp>
+      <p:sp>
+        <p:nvSpPr>
+          <p:cNvPr id="6" name="TextBox 5"/>
+          <p:cNvSpPr txBox="1"/>
+          <p:nvPr/>
+        </p:nvSpPr>
+        <p:spPr>
+          <a:xfrm>
+            <a:off x="0" y="6364844"/>
+            <a:ext cx="1941557" cy="369332"/>
+          </a:xfrm>
+          <a:prstGeom prst="rect">
+            <a:avLst/>
+          </a:prstGeom>
+          <a:noFill/>
+        </p:spPr>
+        <p:txBody>
+          <a:bodyPr wrap="none" rtlCol="0">
+            <a:spAutoFit/>
+          </a:bodyPr>
+          <a:lstStyle/>
+          <a:p>
+            <a:r>
+              <a:rPr lang="ko-KR" altLang="en-US" dirty="0" err="1" smtClean="0"/>
+              <a:t>검색어등록</a:t>
+            </a:r>
+            <a:r>
+              <a:rPr lang="en-US" altLang="ko-KR" dirty="0" smtClean="0"/>
+              <a:t>(</a:t>
+            </a:r>
+            <a:r>
+              <a:rPr lang="ko-KR" altLang="en-US" dirty="0" smtClean="0"/>
+              <a:t>팝업</a:t>
+            </a:r>
+            <a:r>
+              <a:rPr lang="en-US" altLang="ko-KR" dirty="0" smtClean="0"/>
+              <a:t>)</a:t>
+            </a:r>
+            <a:endParaRPr lang="ko-KR" altLang="en-US" dirty="0"/>
+          </a:p>
+        </p:txBody>
+      </p:sp>
+      <p:sp>
+        <p:nvSpPr>
+          <p:cNvPr id="2" name="TextBox 1"/>
+          <p:cNvSpPr txBox="1"/>
+          <p:nvPr/>
+        </p:nvSpPr>
+        <p:spPr>
+          <a:xfrm>
+            <a:off x="5595611" y="1188718"/>
+            <a:ext cx="1144865" cy="307777"/>
+          </a:xfrm>
+          <a:prstGeom prst="rect">
+            <a:avLst/>
+          </a:prstGeom>
+          <a:noFill/>
+        </p:spPr>
+        <p:txBody>
+          <a:bodyPr wrap="none" rtlCol="0">
+            <a:spAutoFit/>
+          </a:bodyPr>
+          <a:lstStyle/>
+          <a:p>
+            <a:r>
+              <a:rPr lang="ko-KR" altLang="en-US" sz="1400" err="1" smtClean="0">
+                <a:solidFill>
+                  <a:schemeClr val="bg1">
+                    <a:lumMod val="75000"/>
+                  </a:schemeClr>
+                </a:solidFill>
+              </a:rPr>
+              <a:t>검색어</a:t>
+            </a:r>
+            <a:r>
+              <a:rPr lang="ko-KR" altLang="en-US" sz="1400" dirty="0" smtClean="0">
+                <a:solidFill>
+                  <a:schemeClr val="bg1">
+                    <a:lumMod val="75000"/>
+                  </a:schemeClr>
+                </a:solidFill>
+              </a:rPr>
+              <a:t> 등록</a:t>
+            </a:r>
+            <a:endParaRPr lang="ko-KR" altLang="en-US" sz="1400" dirty="0">
+              <a:solidFill>
+                <a:schemeClr val="bg1">
+                  <a:lumMod val="75000"/>
+                </a:schemeClr>
+              </a:solidFill>
+            </a:endParaRPr>
+          </a:p>
+        </p:txBody>
+      </p:sp>
+      <p:sp>
+        <p:nvSpPr>
+          <p:cNvPr id="5" name="TextBox 4"/>
+          <p:cNvSpPr txBox="1"/>
+          <p:nvPr/>
+        </p:nvSpPr>
+        <p:spPr>
+          <a:xfrm>
+            <a:off x="6814515" y="365553"/>
+            <a:ext cx="1008609" cy="307777"/>
+          </a:xfrm>
+          <a:prstGeom prst="rect">
+            <a:avLst/>
+          </a:prstGeom>
+          <a:noFill/>
+        </p:spPr>
+        <p:txBody>
+          <a:bodyPr wrap="none" rtlCol="0">
+            <a:spAutoFit/>
+          </a:bodyPr>
+          <a:lstStyle/>
+          <a:p>
+            <a:r>
+              <a:rPr lang="ko-KR" altLang="en-US" sz="1400" dirty="0" smtClean="0">
+                <a:solidFill>
+                  <a:schemeClr val="bg1">
+                    <a:lumMod val="75000"/>
+                  </a:schemeClr>
+                </a:solidFill>
+              </a:rPr>
+              <a:t>슈퍼스타</a:t>
+            </a:r>
+            <a:r>
+              <a:rPr lang="en-US" altLang="ko-KR" sz="1400" dirty="0" smtClean="0">
+                <a:solidFill>
+                  <a:schemeClr val="bg1">
+                    <a:lumMod val="75000"/>
+                  </a:schemeClr>
+                </a:solidFill>
+              </a:rPr>
+              <a:t>K</a:t>
+            </a:r>
+            <a:endParaRPr lang="ko-KR" altLang="en-US" sz="1400" dirty="0">
+              <a:solidFill>
+                <a:schemeClr val="bg1">
+                  <a:lumMod val="75000"/>
+                </a:schemeClr>
+              </a:solidFill>
+            </a:endParaRPr>
+          </a:p>
+        </p:txBody>
+      </p:sp>
+      <p:sp>
+        <p:nvSpPr>
+          <p:cNvPr id="7" name="TextBox 6"/>
+          <p:cNvSpPr txBox="1"/>
+          <p:nvPr/>
+        </p:nvSpPr>
+        <p:spPr>
+          <a:xfrm>
+            <a:off x="5595611" y="299257"/>
+            <a:ext cx="1082348" cy="307777"/>
+          </a:xfrm>
+          <a:prstGeom prst="rect">
+            <a:avLst/>
+          </a:prstGeom>
+          <a:noFill/>
+        </p:spPr>
+        <p:txBody>
+          <a:bodyPr wrap="none" rtlCol="0">
+            <a:spAutoFit/>
+          </a:bodyPr>
+          <a:lstStyle/>
+          <a:p>
+            <a:r>
+              <a:rPr lang="ko-KR" altLang="en-US" sz="1400" smtClean="0">
+                <a:solidFill>
+                  <a:schemeClr val="bg1">
+                    <a:lumMod val="75000"/>
+                  </a:schemeClr>
+                </a:solidFill>
+              </a:rPr>
+              <a:t>관련이미지</a:t>
+            </a:r>
+            <a:endParaRPr lang="ko-KR" altLang="en-US" sz="1400" dirty="0">
+              <a:solidFill>
+                <a:schemeClr val="bg1">
+                  <a:lumMod val="75000"/>
+                </a:schemeClr>
+              </a:solidFill>
+            </a:endParaRPr>
+          </a:p>
+        </p:txBody>
+      </p:sp>
+    </p:spTree>
+    <p:extLst>
+      <p:ext uri="{BB962C8B-B14F-4D97-AF65-F5344CB8AC3E}">
+        <p14:creationId xmlns:p14="http://schemas.microsoft.com/office/powerpoint/2010/main" val="1334957164"/>
+      </p:ext>
+    </p:extLst>
+  </p:cSld>
+  <p:clrMapOvr>
+    <a:masterClrMapping/>
+  </p:clrMapOvr>
+</p:sld>
+</file>
+
 <file path=ppt/slides/slide2.xml><?xml version="1.0" encoding="utf-8"?>
 <p:sld xmlns:a="http://schemas.openxmlformats.org/drawingml/2006/main" xmlns:r="http://schemas.openxmlformats.org/officeDocument/2006/relationships" xmlns:p="http://schemas.openxmlformats.org/presentationml/2006/main">
   <p:cSld>
@@ -11074,11 +13049,7 @@
           <a:p>
             <a:r>
               <a:rPr lang="ko-KR" altLang="en-US" dirty="0" smtClean="0"/>
-              <a:t>어떤 </a:t>
-            </a:r>
-            <a:r>
-              <a:rPr lang="ko-KR" altLang="en-US" smtClean="0"/>
-              <a:t>정보를 찾으세요</a:t>
+              <a:t>어떤 정보를 찾으세요</a:t>
             </a:r>
             <a:r>
               <a:rPr lang="en-US" altLang="ko-KR" dirty="0" smtClean="0"/>
@@ -11437,6 +13408,36 @@
             <a:r>
               <a:rPr lang="en-US" altLang="ko-KR" dirty="0" smtClean="0"/>
               <a:t>(4)</a:t>
+            </a:r>
+            <a:endParaRPr lang="ko-KR" altLang="en-US" dirty="0"/>
+          </a:p>
+        </p:txBody>
+      </p:sp>
+      <p:sp>
+        <p:nvSpPr>
+          <p:cNvPr id="3" name="TextBox 2"/>
+          <p:cNvSpPr txBox="1"/>
+          <p:nvPr/>
+        </p:nvSpPr>
+        <p:spPr>
+          <a:xfrm>
+            <a:off x="4380770" y="4126528"/>
+            <a:ext cx="646331" cy="369332"/>
+          </a:xfrm>
+          <a:prstGeom prst="rect">
+            <a:avLst/>
+          </a:prstGeom>
+          <a:noFill/>
+        </p:spPr>
+        <p:txBody>
+          <a:bodyPr wrap="none" rtlCol="0">
+            <a:spAutoFit/>
+          </a:bodyPr>
+          <a:lstStyle/>
+          <a:p>
+            <a:r>
+              <a:rPr lang="ko-KR" altLang="en-US" dirty="0" smtClean="0"/>
+              <a:t>조사</a:t>
             </a:r>
             <a:endParaRPr lang="ko-KR" altLang="en-US" dirty="0"/>
           </a:p>
@@ -13941,7 +15942,7 @@
         </p:nvSpPr>
         <p:spPr>
           <a:xfrm>
-            <a:off x="4697625" y="1150464"/>
+            <a:off x="1580352" y="1294392"/>
             <a:ext cx="3488081" cy="2266950"/>
           </a:xfrm>
           <a:prstGeom prst="rect">
@@ -13987,8 +15988,8 @@
         </p:nvSpPr>
         <p:spPr>
           <a:xfrm>
-            <a:off x="4697625" y="3825627"/>
-            <a:ext cx="3488081" cy="860673"/>
+            <a:off x="1580352" y="3969903"/>
+            <a:ext cx="3488081" cy="911058"/>
           </a:xfrm>
           <a:prstGeom prst="rect">
             <a:avLst/>
@@ -14033,7 +16034,7 @@
         </p:nvSpPr>
         <p:spPr>
           <a:xfrm>
-            <a:off x="4820897" y="1193044"/>
+            <a:off x="1703624" y="1336972"/>
             <a:ext cx="877163" cy="369332"/>
           </a:xfrm>
           <a:prstGeom prst="rect">
@@ -14063,7 +16064,7 @@
         </p:nvSpPr>
         <p:spPr>
           <a:xfrm>
-            <a:off x="4876360" y="1604956"/>
+            <a:off x="1759087" y="1748884"/>
             <a:ext cx="975550" cy="952500"/>
           </a:xfrm>
           <a:prstGeom prst="ellipse">
@@ -14115,7 +16116,7 @@
         </p:nvSpPr>
         <p:spPr>
           <a:xfrm>
-            <a:off x="4857097" y="3868475"/>
+            <a:off x="1739824" y="4012751"/>
             <a:ext cx="877163" cy="369332"/>
           </a:xfrm>
           <a:prstGeom prst="rect">
@@ -14145,7 +16146,7 @@
         </p:nvSpPr>
         <p:spPr>
           <a:xfrm>
-            <a:off x="4866622" y="4219925"/>
+            <a:off x="1749349" y="4364201"/>
             <a:ext cx="1027110" cy="246221"/>
           </a:xfrm>
           <a:prstGeom prst="rect">
@@ -14189,7 +16190,7 @@
         </p:nvSpPr>
         <p:spPr>
           <a:xfrm>
-            <a:off x="6052144" y="4219924"/>
+            <a:off x="2934871" y="4364200"/>
             <a:ext cx="1475532" cy="246221"/>
           </a:xfrm>
           <a:prstGeom prst="rect">
@@ -14233,7 +16234,7 @@
         </p:nvSpPr>
         <p:spPr>
           <a:xfrm>
-            <a:off x="5970787" y="1544761"/>
+            <a:off x="2853514" y="1688689"/>
             <a:ext cx="568714" cy="246221"/>
           </a:xfrm>
           <a:prstGeom prst="rect">
@@ -14277,7 +16278,7 @@
         </p:nvSpPr>
         <p:spPr>
           <a:xfrm>
-            <a:off x="6611517" y="1544760"/>
+            <a:off x="3494244" y="1688688"/>
             <a:ext cx="1027110" cy="246221"/>
           </a:xfrm>
           <a:prstGeom prst="rect">
@@ -14321,7 +16322,265 @@
         </p:nvSpPr>
         <p:spPr>
           <a:xfrm>
-            <a:off x="6850801" y="2874512"/>
+            <a:off x="3733528" y="3018440"/>
+            <a:ext cx="1105193" cy="409575"/>
+          </a:xfrm>
+          <a:prstGeom prst="rect">
+            <a:avLst/>
+          </a:prstGeom>
+          <a:solidFill>
+            <a:schemeClr val="accent4">
+              <a:lumMod val="40000"/>
+              <a:lumOff val="60000"/>
+            </a:schemeClr>
+          </a:solidFill>
+          <a:ln>
+            <a:noFill/>
+          </a:ln>
+        </p:spPr>
+        <p:style>
+          <a:lnRef idx="2">
+            <a:schemeClr val="accent1">
+              <a:shade val="50000"/>
+            </a:schemeClr>
+          </a:lnRef>
+          <a:fillRef idx="1">
+            <a:schemeClr val="accent1"/>
+          </a:fillRef>
+          <a:effectRef idx="0">
+            <a:schemeClr val="accent1"/>
+          </a:effectRef>
+          <a:fontRef idx="minor">
+            <a:schemeClr val="lt1"/>
+          </a:fontRef>
+        </p:style>
+        <p:txBody>
+          <a:bodyPr rtlCol="0" anchor="ctr"/>
+          <a:lstStyle/>
+          <a:p>
+            <a:pPr algn="ctr"/>
+            <a:r>
+              <a:rPr lang="ko-KR" altLang="en-US" dirty="0" smtClean="0">
+                <a:solidFill>
+                  <a:schemeClr val="bg1"/>
+                </a:solidFill>
+              </a:rPr>
+              <a:t>수정</a:t>
+            </a:r>
+            <a:endParaRPr lang="ko-KR" altLang="en-US" dirty="0">
+              <a:solidFill>
+                <a:schemeClr val="bg1"/>
+              </a:solidFill>
+            </a:endParaRPr>
+          </a:p>
+        </p:txBody>
+      </p:sp>
+      <p:sp>
+        <p:nvSpPr>
+          <p:cNvPr id="26" name="직사각형 25"/>
+          <p:cNvSpPr/>
+          <p:nvPr/>
+        </p:nvSpPr>
+        <p:spPr>
+          <a:xfrm>
+            <a:off x="6991897" y="1294392"/>
+            <a:ext cx="3488081" cy="5156284"/>
+          </a:xfrm>
+          <a:prstGeom prst="rect">
+            <a:avLst/>
+          </a:prstGeom>
+          <a:solidFill>
+            <a:schemeClr val="bg1"/>
+          </a:solidFill>
+          <a:ln>
+            <a:noFill/>
+          </a:ln>
+        </p:spPr>
+        <p:style>
+          <a:lnRef idx="2">
+            <a:schemeClr val="accent1">
+              <a:shade val="50000"/>
+            </a:schemeClr>
+          </a:lnRef>
+          <a:fillRef idx="1">
+            <a:schemeClr val="accent1"/>
+          </a:fillRef>
+          <a:effectRef idx="0">
+            <a:schemeClr val="accent1"/>
+          </a:effectRef>
+          <a:fontRef idx="minor">
+            <a:schemeClr val="lt1"/>
+          </a:fontRef>
+        </p:style>
+        <p:txBody>
+          <a:bodyPr rtlCol="0" anchor="ctr"/>
+          <a:lstStyle/>
+          <a:p>
+            <a:pPr algn="ctr"/>
+            <a:endParaRPr lang="ko-KR" altLang="en-US"/>
+          </a:p>
+        </p:txBody>
+      </p:sp>
+      <p:sp>
+        <p:nvSpPr>
+          <p:cNvPr id="34" name="TextBox 33"/>
+          <p:cNvSpPr txBox="1"/>
+          <p:nvPr/>
+        </p:nvSpPr>
+        <p:spPr>
+          <a:xfrm>
+            <a:off x="7070052" y="1336972"/>
+            <a:ext cx="2045753" cy="369332"/>
+          </a:xfrm>
+          <a:prstGeom prst="rect">
+            <a:avLst/>
+          </a:prstGeom>
+          <a:noFill/>
+        </p:spPr>
+        <p:txBody>
+          <a:bodyPr wrap="none" rtlCol="0">
+            <a:spAutoFit/>
+          </a:bodyPr>
+          <a:lstStyle/>
+          <a:p>
+            <a:r>
+              <a:rPr lang="ko-KR" altLang="en-US" dirty="0" smtClean="0"/>
+              <a:t>내 활동 기록 보기</a:t>
+            </a:r>
+            <a:endParaRPr lang="ko-KR" altLang="en-US" dirty="0"/>
+          </a:p>
+        </p:txBody>
+      </p:sp>
+      <p:sp>
+        <p:nvSpPr>
+          <p:cNvPr id="2" name="TextBox 1"/>
+          <p:cNvSpPr txBox="1"/>
+          <p:nvPr/>
+        </p:nvSpPr>
+        <p:spPr>
+          <a:xfrm>
+            <a:off x="7189393" y="1987022"/>
+            <a:ext cx="386644" cy="276999"/>
+          </a:xfrm>
+          <a:prstGeom prst="rect">
+            <a:avLst/>
+          </a:prstGeom>
+          <a:noFill/>
+        </p:spPr>
+        <p:txBody>
+          <a:bodyPr wrap="none" rtlCol="0">
+            <a:spAutoFit/>
+          </a:bodyPr>
+          <a:lstStyle/>
+          <a:p>
+            <a:r>
+              <a:rPr lang="en-US" altLang="ko-KR" sz="1200" dirty="0" smtClean="0">
+                <a:solidFill>
+                  <a:schemeClr val="bg1">
+                    <a:lumMod val="65000"/>
+                  </a:schemeClr>
+                </a:solidFill>
+              </a:rPr>
+              <a:t>IOI</a:t>
+            </a:r>
+            <a:endParaRPr lang="ko-KR" altLang="en-US" sz="1200" dirty="0">
+              <a:solidFill>
+                <a:schemeClr val="bg1">
+                  <a:lumMod val="65000"/>
+                </a:schemeClr>
+              </a:solidFill>
+            </a:endParaRPr>
+          </a:p>
+        </p:txBody>
+      </p:sp>
+      <p:cxnSp>
+        <p:nvCxnSpPr>
+          <p:cNvPr id="4" name="직선 연결선 3"/>
+          <p:cNvCxnSpPr/>
+          <p:nvPr/>
+        </p:nvCxnSpPr>
+        <p:spPr>
+          <a:xfrm>
+            <a:off x="7070052" y="2313467"/>
+            <a:ext cx="3246043" cy="14097"/>
+          </a:xfrm>
+          <a:prstGeom prst="line">
+            <a:avLst/>
+          </a:prstGeom>
+          <a:ln>
+            <a:solidFill>
+              <a:schemeClr val="bg1">
+                <a:lumMod val="85000"/>
+              </a:schemeClr>
+            </a:solidFill>
+          </a:ln>
+        </p:spPr>
+        <p:style>
+          <a:lnRef idx="1">
+            <a:schemeClr val="accent1"/>
+          </a:lnRef>
+          <a:fillRef idx="0">
+            <a:schemeClr val="accent1"/>
+          </a:fillRef>
+          <a:effectRef idx="0">
+            <a:schemeClr val="accent1"/>
+          </a:effectRef>
+          <a:fontRef idx="minor">
+            <a:schemeClr val="tx1"/>
+          </a:fontRef>
+        </p:style>
+      </p:cxnSp>
+      <p:sp>
+        <p:nvSpPr>
+          <p:cNvPr id="7" name="TextBox 6"/>
+          <p:cNvSpPr txBox="1"/>
+          <p:nvPr/>
+        </p:nvSpPr>
+        <p:spPr>
+          <a:xfrm>
+            <a:off x="7136493" y="2485882"/>
+            <a:ext cx="492443" cy="276999"/>
+          </a:xfrm>
+          <a:prstGeom prst="rect">
+            <a:avLst/>
+          </a:prstGeom>
+          <a:noFill/>
+        </p:spPr>
+        <p:txBody>
+          <a:bodyPr wrap="none" rtlCol="0">
+            <a:spAutoFit/>
+          </a:bodyPr>
+          <a:lstStyle/>
+          <a:p>
+            <a:r>
+              <a:rPr lang="ko-KR" altLang="en-US" sz="1200" dirty="0" smtClean="0">
+                <a:solidFill>
+                  <a:schemeClr val="bg1">
+                    <a:lumMod val="65000"/>
+                  </a:schemeClr>
+                </a:solidFill>
+              </a:rPr>
+              <a:t>댓글</a:t>
+            </a:r>
+            <a:endParaRPr lang="ko-KR" altLang="en-US" sz="1200" dirty="0">
+              <a:solidFill>
+                <a:schemeClr val="bg1">
+                  <a:lumMod val="65000"/>
+                </a:schemeClr>
+              </a:solidFill>
+            </a:endParaRPr>
+          </a:p>
+        </p:txBody>
+      </p:sp>
+      <p:sp>
+        <p:nvSpPr>
+          <p:cNvPr id="37" name="직사각형 36"/>
+          <p:cNvSpPr/>
+          <p:nvPr/>
+        </p:nvSpPr>
+        <p:spPr>
+          <a:xfrm>
+            <a:off x="9210902" y="2937064"/>
             <a:ext cx="1105193" cy="409575"/>
           </a:xfrm>
           <a:prstGeom prst="rect">

--- a/image/login/회원관리페이지.pptx
+++ b/image/login/회원관리페이지.pptx
@@ -268,7 +268,7 @@
           <a:p>
             <a:fld id="{F75D1AEC-97B6-4336-AC6D-A933BBF9A058}" type="datetimeFigureOut">
               <a:rPr lang="ko-KR" altLang="en-US" smtClean="0"/>
-              <a:t>2021-06-01</a:t>
+              <a:t>2021-06-03</a:t>
             </a:fld>
             <a:endParaRPr lang="ko-KR" altLang="en-US"/>
           </a:p>
@@ -438,7 +438,7 @@
           <a:p>
             <a:fld id="{F75D1AEC-97B6-4336-AC6D-A933BBF9A058}" type="datetimeFigureOut">
               <a:rPr lang="ko-KR" altLang="en-US" smtClean="0"/>
-              <a:t>2021-06-01</a:t>
+              <a:t>2021-06-03</a:t>
             </a:fld>
             <a:endParaRPr lang="ko-KR" altLang="en-US"/>
           </a:p>
@@ -618,7 +618,7 @@
           <a:p>
             <a:fld id="{F75D1AEC-97B6-4336-AC6D-A933BBF9A058}" type="datetimeFigureOut">
               <a:rPr lang="ko-KR" altLang="en-US" smtClean="0"/>
-              <a:t>2021-06-01</a:t>
+              <a:t>2021-06-03</a:t>
             </a:fld>
             <a:endParaRPr lang="ko-KR" altLang="en-US"/>
           </a:p>
@@ -788,7 +788,7 @@
           <a:p>
             <a:fld id="{F75D1AEC-97B6-4336-AC6D-A933BBF9A058}" type="datetimeFigureOut">
               <a:rPr lang="ko-KR" altLang="en-US" smtClean="0"/>
-              <a:t>2021-06-01</a:t>
+              <a:t>2021-06-03</a:t>
             </a:fld>
             <a:endParaRPr lang="ko-KR" altLang="en-US"/>
           </a:p>
@@ -1034,7 +1034,7 @@
           <a:p>
             <a:fld id="{F75D1AEC-97B6-4336-AC6D-A933BBF9A058}" type="datetimeFigureOut">
               <a:rPr lang="ko-KR" altLang="en-US" smtClean="0"/>
-              <a:t>2021-06-01</a:t>
+              <a:t>2021-06-03</a:t>
             </a:fld>
             <a:endParaRPr lang="ko-KR" altLang="en-US"/>
           </a:p>
@@ -1266,7 +1266,7 @@
           <a:p>
             <a:fld id="{F75D1AEC-97B6-4336-AC6D-A933BBF9A058}" type="datetimeFigureOut">
               <a:rPr lang="ko-KR" altLang="en-US" smtClean="0"/>
-              <a:t>2021-06-01</a:t>
+              <a:t>2021-06-03</a:t>
             </a:fld>
             <a:endParaRPr lang="ko-KR" altLang="en-US"/>
           </a:p>
@@ -1633,7 +1633,7 @@
           <a:p>
             <a:fld id="{F75D1AEC-97B6-4336-AC6D-A933BBF9A058}" type="datetimeFigureOut">
               <a:rPr lang="ko-KR" altLang="en-US" smtClean="0"/>
-              <a:t>2021-06-01</a:t>
+              <a:t>2021-06-03</a:t>
             </a:fld>
             <a:endParaRPr lang="ko-KR" altLang="en-US"/>
           </a:p>
@@ -1751,7 +1751,7 @@
           <a:p>
             <a:fld id="{F75D1AEC-97B6-4336-AC6D-A933BBF9A058}" type="datetimeFigureOut">
               <a:rPr lang="ko-KR" altLang="en-US" smtClean="0"/>
-              <a:t>2021-06-01</a:t>
+              <a:t>2021-06-03</a:t>
             </a:fld>
             <a:endParaRPr lang="ko-KR" altLang="en-US"/>
           </a:p>
@@ -1846,7 +1846,7 @@
           <a:p>
             <a:fld id="{F75D1AEC-97B6-4336-AC6D-A933BBF9A058}" type="datetimeFigureOut">
               <a:rPr lang="ko-KR" altLang="en-US" smtClean="0"/>
-              <a:t>2021-06-01</a:t>
+              <a:t>2021-06-03</a:t>
             </a:fld>
             <a:endParaRPr lang="ko-KR" altLang="en-US"/>
           </a:p>
@@ -2123,7 +2123,7 @@
           <a:p>
             <a:fld id="{F75D1AEC-97B6-4336-AC6D-A933BBF9A058}" type="datetimeFigureOut">
               <a:rPr lang="ko-KR" altLang="en-US" smtClean="0"/>
-              <a:t>2021-06-01</a:t>
+              <a:t>2021-06-03</a:t>
             </a:fld>
             <a:endParaRPr lang="ko-KR" altLang="en-US"/>
           </a:p>
@@ -2376,7 +2376,7 @@
           <a:p>
             <a:fld id="{F75D1AEC-97B6-4336-AC6D-A933BBF9A058}" type="datetimeFigureOut">
               <a:rPr lang="ko-KR" altLang="en-US" smtClean="0"/>
-              <a:t>2021-06-01</a:t>
+              <a:t>2021-06-03</a:t>
             </a:fld>
             <a:endParaRPr lang="ko-KR" altLang="en-US"/>
           </a:p>
@@ -2589,7 +2589,7 @@
           <a:p>
             <a:fld id="{F75D1AEC-97B6-4336-AC6D-A933BBF9A058}" type="datetimeFigureOut">
               <a:rPr lang="ko-KR" altLang="en-US" smtClean="0"/>
-              <a:t>2021-06-01</a:t>
+              <a:t>2021-06-03</a:t>
             </a:fld>
             <a:endParaRPr lang="ko-KR" altLang="en-US"/>
           </a:p>
@@ -3766,8 +3766,8 @@
         </p:nvSpPr>
         <p:spPr>
           <a:xfrm>
-            <a:off x="6720153" y="5287446"/>
-            <a:ext cx="877163" cy="369332"/>
+            <a:off x="6835569" y="5287446"/>
+            <a:ext cx="646331" cy="369332"/>
           </a:xfrm>
           <a:prstGeom prst="rect">
             <a:avLst/>
@@ -3781,8 +3781,8 @@
           <a:lstStyle/>
           <a:p>
             <a:r>
-              <a:rPr lang="ko-KR" altLang="en-US" dirty="0" err="1" smtClean="0"/>
-              <a:t>비동의</a:t>
+              <a:rPr lang="ko-KR" altLang="en-US" smtClean="0"/>
+              <a:t>취소</a:t>
             </a:r>
             <a:endParaRPr lang="ko-KR" altLang="en-US" dirty="0"/>
           </a:p>
@@ -13146,15 +13146,7 @@
                   <a:schemeClr val="bg1"/>
                 </a:solidFill>
               </a:rPr>
-              <a:t>홈으로 가</a:t>
-            </a:r>
-            <a:r>
-              <a:rPr lang="ko-KR" altLang="en-US" dirty="0" smtClean="0">
-                <a:solidFill>
-                  <a:schemeClr val="bg1"/>
-                </a:solidFill>
-              </a:rPr>
-              <a:t>기</a:t>
+              <a:t>홈으로 가기</a:t>
             </a:r>
             <a:endParaRPr lang="ko-KR" altLang="en-US" dirty="0">
               <a:solidFill>
@@ -14301,7 +14293,7 @@
         </p:nvSpPr>
         <p:spPr>
           <a:xfrm>
-            <a:off x="3938585" y="-64825"/>
+            <a:off x="3938585" y="5293"/>
             <a:ext cx="4314825" cy="6734176"/>
           </a:xfrm>
           <a:prstGeom prst="rect">
@@ -19121,11 +19113,7 @@
           <a:p>
             <a:r>
               <a:rPr lang="ko-KR" altLang="en-US" dirty="0" smtClean="0"/>
-              <a:t>신고</a:t>
-            </a:r>
-            <a:r>
-              <a:rPr lang="ko-KR" altLang="en-US" dirty="0" smtClean="0"/>
-              <a:t>하기</a:t>
+              <a:t>신고하기</a:t>
             </a:r>
             <a:endParaRPr lang="ko-KR" altLang="en-US" dirty="0"/>
           </a:p>

--- a/image/login/회원관리페이지.pptx
+++ b/image/login/회원관리페이지.pptx
@@ -268,7 +268,7 @@
           <a:p>
             <a:fld id="{F75D1AEC-97B6-4336-AC6D-A933BBF9A058}" type="datetimeFigureOut">
               <a:rPr lang="ko-KR" altLang="en-US" smtClean="0"/>
-              <a:t>2021-06-03</a:t>
+              <a:t>2021-06-10</a:t>
             </a:fld>
             <a:endParaRPr lang="ko-KR" altLang="en-US"/>
           </a:p>
@@ -438,7 +438,7 @@
           <a:p>
             <a:fld id="{F75D1AEC-97B6-4336-AC6D-A933BBF9A058}" type="datetimeFigureOut">
               <a:rPr lang="ko-KR" altLang="en-US" smtClean="0"/>
-              <a:t>2021-06-03</a:t>
+              <a:t>2021-06-10</a:t>
             </a:fld>
             <a:endParaRPr lang="ko-KR" altLang="en-US"/>
           </a:p>
@@ -618,7 +618,7 @@
           <a:p>
             <a:fld id="{F75D1AEC-97B6-4336-AC6D-A933BBF9A058}" type="datetimeFigureOut">
               <a:rPr lang="ko-KR" altLang="en-US" smtClean="0"/>
-              <a:t>2021-06-03</a:t>
+              <a:t>2021-06-10</a:t>
             </a:fld>
             <a:endParaRPr lang="ko-KR" altLang="en-US"/>
           </a:p>
@@ -788,7 +788,7 @@
           <a:p>
             <a:fld id="{F75D1AEC-97B6-4336-AC6D-A933BBF9A058}" type="datetimeFigureOut">
               <a:rPr lang="ko-KR" altLang="en-US" smtClean="0"/>
-              <a:t>2021-06-03</a:t>
+              <a:t>2021-06-10</a:t>
             </a:fld>
             <a:endParaRPr lang="ko-KR" altLang="en-US"/>
           </a:p>
@@ -1034,7 +1034,7 @@
           <a:p>
             <a:fld id="{F75D1AEC-97B6-4336-AC6D-A933BBF9A058}" type="datetimeFigureOut">
               <a:rPr lang="ko-KR" altLang="en-US" smtClean="0"/>
-              <a:t>2021-06-03</a:t>
+              <a:t>2021-06-10</a:t>
             </a:fld>
             <a:endParaRPr lang="ko-KR" altLang="en-US"/>
           </a:p>
@@ -1266,7 +1266,7 @@
           <a:p>
             <a:fld id="{F75D1AEC-97B6-4336-AC6D-A933BBF9A058}" type="datetimeFigureOut">
               <a:rPr lang="ko-KR" altLang="en-US" smtClean="0"/>
-              <a:t>2021-06-03</a:t>
+              <a:t>2021-06-10</a:t>
             </a:fld>
             <a:endParaRPr lang="ko-KR" altLang="en-US"/>
           </a:p>
@@ -1633,7 +1633,7 @@
           <a:p>
             <a:fld id="{F75D1AEC-97B6-4336-AC6D-A933BBF9A058}" type="datetimeFigureOut">
               <a:rPr lang="ko-KR" altLang="en-US" smtClean="0"/>
-              <a:t>2021-06-03</a:t>
+              <a:t>2021-06-10</a:t>
             </a:fld>
             <a:endParaRPr lang="ko-KR" altLang="en-US"/>
           </a:p>
@@ -1751,7 +1751,7 @@
           <a:p>
             <a:fld id="{F75D1AEC-97B6-4336-AC6D-A933BBF9A058}" type="datetimeFigureOut">
               <a:rPr lang="ko-KR" altLang="en-US" smtClean="0"/>
-              <a:t>2021-06-03</a:t>
+              <a:t>2021-06-10</a:t>
             </a:fld>
             <a:endParaRPr lang="ko-KR" altLang="en-US"/>
           </a:p>
@@ -1846,7 +1846,7 @@
           <a:p>
             <a:fld id="{F75D1AEC-97B6-4336-AC6D-A933BBF9A058}" type="datetimeFigureOut">
               <a:rPr lang="ko-KR" altLang="en-US" smtClean="0"/>
-              <a:t>2021-06-03</a:t>
+              <a:t>2021-06-10</a:t>
             </a:fld>
             <a:endParaRPr lang="ko-KR" altLang="en-US"/>
           </a:p>
@@ -2123,7 +2123,7 @@
           <a:p>
             <a:fld id="{F75D1AEC-97B6-4336-AC6D-A933BBF9A058}" type="datetimeFigureOut">
               <a:rPr lang="ko-KR" altLang="en-US" smtClean="0"/>
-              <a:t>2021-06-03</a:t>
+              <a:t>2021-06-10</a:t>
             </a:fld>
             <a:endParaRPr lang="ko-KR" altLang="en-US"/>
           </a:p>
@@ -2376,7 +2376,7 @@
           <a:p>
             <a:fld id="{F75D1AEC-97B6-4336-AC6D-A933BBF9A058}" type="datetimeFigureOut">
               <a:rPr lang="ko-KR" altLang="en-US" smtClean="0"/>
-              <a:t>2021-06-03</a:t>
+              <a:t>2021-06-10</a:t>
             </a:fld>
             <a:endParaRPr lang="ko-KR" altLang="en-US"/>
           </a:p>
@@ -2589,7 +2589,7 @@
           <a:p>
             <a:fld id="{F75D1AEC-97B6-4336-AC6D-A933BBF9A058}" type="datetimeFigureOut">
               <a:rPr lang="ko-KR" altLang="en-US" smtClean="0"/>
-              <a:t>2021-06-03</a:t>
+              <a:t>2021-06-10</a:t>
             </a:fld>
             <a:endParaRPr lang="ko-KR" altLang="en-US"/>
           </a:p>
@@ -3942,6 +3942,63 @@
           </a:p>
         </p:txBody>
       </p:sp>
+      <p:sp>
+        <p:nvSpPr>
+          <p:cNvPr id="6" name="TextBox 5"/>
+          <p:cNvSpPr txBox="1"/>
+          <p:nvPr/>
+        </p:nvSpPr>
+        <p:spPr>
+          <a:xfrm>
+            <a:off x="8789504" y="1941077"/>
+            <a:ext cx="2023311" cy="1200329"/>
+          </a:xfrm>
+          <a:prstGeom prst="rect">
+            <a:avLst/>
+          </a:prstGeom>
+          <a:noFill/>
+        </p:spPr>
+        <p:txBody>
+          <a:bodyPr wrap="none" rtlCol="0">
+            <a:spAutoFit/>
+          </a:bodyPr>
+          <a:lstStyle/>
+          <a:p>
+            <a:r>
+              <a:rPr lang="ko-KR" altLang="en-US" dirty="0" smtClean="0"/>
+              <a:t>변수</a:t>
+            </a:r>
+            <a:r>
+              <a:rPr lang="en-US" altLang="ko-KR" dirty="0" smtClean="0"/>
+              <a:t>:</a:t>
+            </a:r>
+          </a:p>
+          <a:p>
+            <a:r>
+              <a:rPr lang="ko-KR" altLang="en-US" dirty="0" smtClean="0"/>
+              <a:t>약관동의</a:t>
+            </a:r>
+            <a:r>
+              <a:rPr lang="en-US" altLang="ko-KR" dirty="0" smtClean="0"/>
+              <a:t>(bool)</a:t>
+            </a:r>
+          </a:p>
+          <a:p>
+            <a:endParaRPr lang="en-US" altLang="ko-KR" dirty="0"/>
+          </a:p>
+          <a:p>
+            <a:r>
+              <a:rPr lang="ko-KR" altLang="en-US" dirty="0" smtClean="0"/>
+              <a:t>약관동의 했는지</a:t>
+            </a:r>
+            <a:r>
+              <a:rPr lang="en-US" altLang="ko-KR" dirty="0" smtClean="0"/>
+              <a:t>()</a:t>
+            </a:r>
+            <a:endParaRPr lang="ko-KR" altLang="en-US" dirty="0"/>
+          </a:p>
+        </p:txBody>
+      </p:sp>
     </p:spTree>
     <p:extLst>
       <p:ext uri="{BB962C8B-B14F-4D97-AF65-F5344CB8AC3E}">
@@ -5674,6 +5731,202 @@
                 </a:schemeClr>
               </a:solidFill>
             </a:endParaRPr>
+          </a:p>
+        </p:txBody>
+      </p:sp>
+      <p:sp>
+        <p:nvSpPr>
+          <p:cNvPr id="20" name="TextBox 19"/>
+          <p:cNvSpPr txBox="1"/>
+          <p:nvPr/>
+        </p:nvSpPr>
+        <p:spPr>
+          <a:xfrm>
+            <a:off x="1945846" y="3621964"/>
+            <a:ext cx="2492990" cy="2308324"/>
+          </a:xfrm>
+          <a:prstGeom prst="rect">
+            <a:avLst/>
+          </a:prstGeom>
+          <a:noFill/>
+        </p:spPr>
+        <p:txBody>
+          <a:bodyPr wrap="none" rtlCol="0">
+            <a:spAutoFit/>
+          </a:bodyPr>
+          <a:lstStyle/>
+          <a:p>
+            <a:r>
+              <a:rPr lang="ko-KR" altLang="en-US" dirty="0" smtClean="0"/>
+              <a:t>현재비밀번호</a:t>
+            </a:r>
+            <a:r>
+              <a:rPr lang="en-US" altLang="ko-KR" dirty="0" smtClean="0"/>
+              <a:t>(string)</a:t>
+            </a:r>
+          </a:p>
+          <a:p>
+            <a:r>
+              <a:rPr lang="ko-KR" altLang="en-US" dirty="0" err="1" smtClean="0"/>
+              <a:t>새비밀번호</a:t>
+            </a:r>
+            <a:r>
+              <a:rPr lang="en-US" altLang="ko-KR" dirty="0" smtClean="0"/>
+              <a:t>(string)</a:t>
+            </a:r>
+          </a:p>
+          <a:p>
+            <a:r>
+              <a:rPr lang="ko-KR" altLang="en-US" dirty="0" err="1" smtClean="0"/>
+              <a:t>새비밀번호</a:t>
+            </a:r>
+            <a:r>
+              <a:rPr lang="en-US" altLang="ko-KR" dirty="0" smtClean="0"/>
+              <a:t>(2)(string)</a:t>
+            </a:r>
+          </a:p>
+          <a:p>
+            <a:r>
+              <a:rPr lang="ko-KR" altLang="en-US" dirty="0" smtClean="0"/>
+              <a:t>비밀번호변경</a:t>
+            </a:r>
+            <a:r>
+              <a:rPr lang="en-US" altLang="ko-KR" dirty="0" smtClean="0"/>
+              <a:t>(bool)</a:t>
+            </a:r>
+          </a:p>
+          <a:p>
+            <a:r>
+              <a:rPr lang="ko-KR" altLang="en-US" dirty="0" smtClean="0"/>
+              <a:t>이전과 동일한지</a:t>
+            </a:r>
+            <a:r>
+              <a:rPr lang="en-US" altLang="ko-KR" dirty="0" smtClean="0"/>
+              <a:t>(bool)</a:t>
+            </a:r>
+          </a:p>
+          <a:p>
+            <a:endParaRPr lang="en-US" altLang="ko-KR" dirty="0"/>
+          </a:p>
+          <a:p>
+            <a:endParaRPr lang="en-US" altLang="ko-KR" dirty="0"/>
+          </a:p>
+          <a:p>
+            <a:r>
+              <a:rPr lang="ko-KR" altLang="en-US" dirty="0" smtClean="0"/>
+              <a:t>비밀번호변경시</a:t>
+            </a:r>
+            <a:r>
+              <a:rPr lang="en-US" altLang="ko-KR" dirty="0" smtClean="0"/>
+              <a:t>()</a:t>
+            </a:r>
+            <a:endParaRPr lang="ko-KR" altLang="en-US" dirty="0"/>
+          </a:p>
+        </p:txBody>
+      </p:sp>
+      <p:sp>
+        <p:nvSpPr>
+          <p:cNvPr id="22" name="TextBox 21"/>
+          <p:cNvSpPr txBox="1"/>
+          <p:nvPr/>
+        </p:nvSpPr>
+        <p:spPr>
+          <a:xfrm>
+            <a:off x="7508808" y="3621964"/>
+            <a:ext cx="2321469" cy="2308324"/>
+          </a:xfrm>
+          <a:prstGeom prst="rect">
+            <a:avLst/>
+          </a:prstGeom>
+          <a:noFill/>
+        </p:spPr>
+        <p:txBody>
+          <a:bodyPr wrap="none" rtlCol="0">
+            <a:spAutoFit/>
+          </a:bodyPr>
+          <a:lstStyle/>
+          <a:p>
+            <a:r>
+              <a:rPr lang="ko-KR" altLang="en-US" dirty="0" err="1" smtClean="0"/>
+              <a:t>이메일주소</a:t>
+            </a:r>
+            <a:r>
+              <a:rPr lang="en-US" altLang="ko-KR" dirty="0" smtClean="0"/>
+              <a:t>(string)</a:t>
+            </a:r>
+          </a:p>
+          <a:p>
+            <a:r>
+              <a:rPr lang="ko-KR" altLang="en-US" dirty="0" smtClean="0"/>
+              <a:t>비밀번호</a:t>
+            </a:r>
+            <a:r>
+              <a:rPr lang="en-US" altLang="ko-KR" dirty="0" smtClean="0"/>
+              <a:t>(1)(string)</a:t>
+            </a:r>
+          </a:p>
+          <a:p>
+            <a:r>
+              <a:rPr lang="ko-KR" altLang="en-US" dirty="0" smtClean="0"/>
+              <a:t>비밀번호</a:t>
+            </a:r>
+            <a:r>
+              <a:rPr lang="en-US" altLang="ko-KR" dirty="0" smtClean="0"/>
+              <a:t>(2)(string)</a:t>
+            </a:r>
+          </a:p>
+          <a:p>
+            <a:r>
+              <a:rPr lang="ko-KR" altLang="en-US" dirty="0" smtClean="0"/>
+              <a:t>회원탈퇴</a:t>
+            </a:r>
+            <a:r>
+              <a:rPr lang="en-US" altLang="ko-KR" dirty="0" smtClean="0"/>
+              <a:t>(</a:t>
+            </a:r>
+            <a:r>
+              <a:rPr lang="ko-KR" altLang="en-US" dirty="0" smtClean="0"/>
+              <a:t>매칭</a:t>
+            </a:r>
+            <a:r>
+              <a:rPr lang="en-US" altLang="ko-KR" dirty="0" smtClean="0"/>
+              <a:t>)(bool)</a:t>
+            </a:r>
+            <a:endParaRPr lang="en-US" altLang="ko-KR" dirty="0"/>
+          </a:p>
+          <a:p>
+            <a:r>
+              <a:rPr lang="ko-KR" altLang="en-US" dirty="0" err="1" smtClean="0"/>
+              <a:t>탈퇴동의</a:t>
+            </a:r>
+            <a:r>
+              <a:rPr lang="en-US" altLang="ko-KR" dirty="0" smtClean="0"/>
+              <a:t>(bool)</a:t>
+            </a:r>
+          </a:p>
+          <a:p>
+            <a:endParaRPr lang="en-US" altLang="ko-KR" dirty="0"/>
+          </a:p>
+          <a:p>
+            <a:r>
+              <a:rPr lang="ko-KR" altLang="en-US" dirty="0" smtClean="0"/>
+              <a:t>회원탈퇴</a:t>
+            </a:r>
+            <a:r>
+              <a:rPr lang="en-US" altLang="ko-KR" dirty="0" smtClean="0"/>
+              <a:t>()</a:t>
+            </a:r>
+          </a:p>
+          <a:p>
+            <a:r>
+              <a:rPr lang="ko-KR" altLang="en-US" dirty="0" err="1" smtClean="0"/>
+              <a:t>탈퇴동의시</a:t>
+            </a:r>
+            <a:r>
+              <a:rPr lang="en-US" altLang="ko-KR" dirty="0" smtClean="0"/>
+              <a:t>()</a:t>
+            </a:r>
+            <a:endParaRPr lang="ko-KR" altLang="en-US" dirty="0"/>
           </a:p>
         </p:txBody>
       </p:sp>
@@ -12028,6 +12281,110 @@
           </a:p>
         </p:txBody>
       </p:sp>
+      <p:sp>
+        <p:nvSpPr>
+          <p:cNvPr id="44" name="TextBox 43"/>
+          <p:cNvSpPr txBox="1"/>
+          <p:nvPr/>
+        </p:nvSpPr>
+        <p:spPr>
+          <a:xfrm>
+            <a:off x="92367" y="1641587"/>
+            <a:ext cx="2180405" cy="2862322"/>
+          </a:xfrm>
+          <a:prstGeom prst="rect">
+            <a:avLst/>
+          </a:prstGeom>
+          <a:noFill/>
+        </p:spPr>
+        <p:txBody>
+          <a:bodyPr wrap="none" rtlCol="0">
+            <a:spAutoFit/>
+          </a:bodyPr>
+          <a:lstStyle/>
+          <a:p>
+            <a:r>
+              <a:rPr lang="ko-KR" altLang="en-US" dirty="0" err="1" smtClean="0"/>
+              <a:t>문의제목</a:t>
+            </a:r>
+            <a:r>
+              <a:rPr lang="en-US" altLang="ko-KR" dirty="0" smtClean="0"/>
+              <a:t>(string)</a:t>
+            </a:r>
+          </a:p>
+          <a:p>
+            <a:r>
+              <a:rPr lang="ko-KR" altLang="en-US" dirty="0" err="1" smtClean="0"/>
+              <a:t>문의내용</a:t>
+            </a:r>
+            <a:r>
+              <a:rPr lang="en-US" altLang="ko-KR" dirty="0" smtClean="0"/>
+              <a:t>(string)</a:t>
+            </a:r>
+            <a:endParaRPr lang="en-US" altLang="ko-KR" dirty="0"/>
+          </a:p>
+          <a:p>
+            <a:r>
+              <a:rPr lang="ko-KR" altLang="en-US" dirty="0" err="1" smtClean="0"/>
+              <a:t>등록유형</a:t>
+            </a:r>
+            <a:r>
+              <a:rPr lang="en-US" altLang="ko-KR" dirty="0" smtClean="0"/>
+              <a:t>(bool)</a:t>
+            </a:r>
+          </a:p>
+          <a:p>
+            <a:r>
+              <a:rPr lang="ko-KR" altLang="en-US" dirty="0" smtClean="0"/>
+              <a:t>문의유형선택</a:t>
+            </a:r>
+            <a:r>
+              <a:rPr lang="en-US" altLang="ko-KR" dirty="0" smtClean="0"/>
+              <a:t>(bool)</a:t>
+            </a:r>
+          </a:p>
+          <a:p>
+            <a:r>
+              <a:rPr lang="ko-KR" altLang="en-US" dirty="0" err="1" smtClean="0"/>
+              <a:t>제목입력</a:t>
+            </a:r>
+            <a:r>
+              <a:rPr lang="en-US" altLang="ko-KR" dirty="0" smtClean="0"/>
+              <a:t>(bool)</a:t>
+            </a:r>
+          </a:p>
+          <a:p>
+            <a:r>
+              <a:rPr lang="ko-KR" altLang="en-US" dirty="0" smtClean="0"/>
+              <a:t>문의내용입력</a:t>
+            </a:r>
+            <a:r>
+              <a:rPr lang="en-US" altLang="ko-KR" dirty="0" smtClean="0"/>
+              <a:t>(bool)</a:t>
+            </a:r>
+          </a:p>
+          <a:p>
+            <a:endParaRPr lang="en-US" altLang="ko-KR" dirty="0"/>
+          </a:p>
+          <a:p>
+            <a:endParaRPr lang="en-US" altLang="ko-KR" dirty="0" smtClean="0"/>
+          </a:p>
+          <a:p>
+            <a:endParaRPr lang="en-US" altLang="ko-KR" dirty="0"/>
+          </a:p>
+          <a:p>
+            <a:r>
+              <a:rPr lang="ko-KR" altLang="en-US" dirty="0" smtClean="0"/>
+              <a:t>문의하기</a:t>
+            </a:r>
+            <a:r>
+              <a:rPr lang="en-US" altLang="ko-KR" dirty="0" smtClean="0"/>
+              <a:t>()</a:t>
+            </a:r>
+            <a:endParaRPr lang="ko-KR" altLang="en-US" dirty="0"/>
+          </a:p>
+        </p:txBody>
+      </p:sp>
     </p:spTree>
     <p:extLst>
       <p:ext uri="{BB962C8B-B14F-4D97-AF65-F5344CB8AC3E}">
@@ -14245,6 +14602,53 @@
           </a:p>
         </p:txBody>
       </p:sp>
+      <p:sp>
+        <p:nvSpPr>
+          <p:cNvPr id="30" name="TextBox 29"/>
+          <p:cNvSpPr txBox="1"/>
+          <p:nvPr/>
+        </p:nvSpPr>
+        <p:spPr>
+          <a:xfrm>
+            <a:off x="6951910" y="3639132"/>
+            <a:ext cx="1718740" cy="923330"/>
+          </a:xfrm>
+          <a:prstGeom prst="rect">
+            <a:avLst/>
+          </a:prstGeom>
+          <a:noFill/>
+        </p:spPr>
+        <p:txBody>
+          <a:bodyPr wrap="none" rtlCol="0">
+            <a:spAutoFit/>
+          </a:bodyPr>
+          <a:lstStyle/>
+          <a:p>
+            <a:r>
+              <a:rPr lang="ko-KR" altLang="en-US" dirty="0" err="1" smtClean="0"/>
+              <a:t>문의현황</a:t>
+            </a:r>
+            <a:r>
+              <a:rPr lang="en-US" altLang="ko-KR" dirty="0" smtClean="0"/>
+              <a:t>(bool)</a:t>
+            </a:r>
+          </a:p>
+          <a:p>
+            <a:endParaRPr lang="en-US" altLang="ko-KR" dirty="0"/>
+          </a:p>
+          <a:p>
+            <a:r>
+              <a:rPr lang="ko-KR" altLang="en-US" dirty="0" err="1" smtClean="0"/>
+              <a:t>문의진행</a:t>
+            </a:r>
+            <a:r>
+              <a:rPr lang="en-US" altLang="ko-KR" dirty="0" smtClean="0"/>
+              <a:t>()</a:t>
+            </a:r>
+            <a:endParaRPr lang="ko-KR" altLang="en-US" dirty="0"/>
+          </a:p>
+        </p:txBody>
+      </p:sp>
     </p:spTree>
     <p:extLst>
       <p:ext uri="{BB962C8B-B14F-4D97-AF65-F5344CB8AC3E}">
@@ -15133,6 +15537,149 @@
           </a:fontRef>
         </p:style>
       </p:cxnSp>
+      <p:sp>
+        <p:nvSpPr>
+          <p:cNvPr id="26" name="TextBox 25"/>
+          <p:cNvSpPr txBox="1"/>
+          <p:nvPr/>
+        </p:nvSpPr>
+        <p:spPr>
+          <a:xfrm>
+            <a:off x="8789504" y="1941077"/>
+            <a:ext cx="2552302" cy="3139321"/>
+          </a:xfrm>
+          <a:prstGeom prst="rect">
+            <a:avLst/>
+          </a:prstGeom>
+          <a:noFill/>
+        </p:spPr>
+        <p:txBody>
+          <a:bodyPr wrap="none" rtlCol="0">
+            <a:spAutoFit/>
+          </a:bodyPr>
+          <a:lstStyle/>
+          <a:p>
+            <a:r>
+              <a:rPr lang="ko-KR" altLang="en-US" dirty="0" smtClean="0"/>
+              <a:t>변수</a:t>
+            </a:r>
+            <a:r>
+              <a:rPr lang="en-US" altLang="ko-KR" dirty="0" smtClean="0"/>
+              <a:t>:</a:t>
+            </a:r>
+          </a:p>
+          <a:p>
+            <a:r>
+              <a:rPr lang="ko-KR" altLang="en-US" dirty="0" smtClean="0"/>
+              <a:t>이메일</a:t>
+            </a:r>
+            <a:r>
+              <a:rPr lang="en-US" altLang="ko-KR" dirty="0" smtClean="0"/>
+              <a:t>(string)</a:t>
+            </a:r>
+          </a:p>
+          <a:p>
+            <a:r>
+              <a:rPr lang="ko-KR" altLang="en-US" dirty="0" smtClean="0"/>
+              <a:t>비밀번호</a:t>
+            </a:r>
+            <a:r>
+              <a:rPr lang="en-US" altLang="ko-KR" dirty="0" smtClean="0"/>
+              <a:t>(string)</a:t>
+            </a:r>
+          </a:p>
+          <a:p>
+            <a:r>
+              <a:rPr lang="ko-KR" altLang="en-US" dirty="0" smtClean="0"/>
+              <a:t>닉네임</a:t>
+            </a:r>
+            <a:r>
+              <a:rPr lang="en-US" altLang="ko-KR" dirty="0" smtClean="0"/>
+              <a:t>(string)</a:t>
+            </a:r>
+          </a:p>
+          <a:p>
+            <a:r>
+              <a:rPr lang="ko-KR" altLang="en-US" dirty="0" err="1" smtClean="0"/>
+              <a:t>중복확인</a:t>
+            </a:r>
+            <a:r>
+              <a:rPr lang="en-US" altLang="ko-KR" dirty="0" smtClean="0"/>
+              <a:t>(</a:t>
+            </a:r>
+            <a:r>
+              <a:rPr lang="ko-KR" altLang="en-US" dirty="0" smtClean="0"/>
+              <a:t>이메일</a:t>
+            </a:r>
+            <a:r>
+              <a:rPr lang="en-US" altLang="ko-KR" dirty="0" smtClean="0"/>
+              <a:t>)(bool)</a:t>
+            </a:r>
+          </a:p>
+          <a:p>
+            <a:r>
+              <a:rPr lang="ko-KR" altLang="en-US" dirty="0" err="1" smtClean="0"/>
+              <a:t>중복확인</a:t>
+            </a:r>
+            <a:r>
+              <a:rPr lang="en-US" altLang="ko-KR" dirty="0" smtClean="0"/>
+              <a:t>(</a:t>
+            </a:r>
+            <a:r>
+              <a:rPr lang="ko-KR" altLang="en-US" dirty="0" smtClean="0"/>
+              <a:t>닉네임</a:t>
+            </a:r>
+            <a:r>
+              <a:rPr lang="en-US" altLang="ko-KR" dirty="0" smtClean="0"/>
+              <a:t>)(bool)</a:t>
+            </a:r>
+          </a:p>
+          <a:p>
+            <a:r>
+              <a:rPr lang="ko-KR" altLang="en-US" dirty="0" smtClean="0"/>
+              <a:t>정보입력완료</a:t>
+            </a:r>
+            <a:r>
+              <a:rPr lang="en-US" altLang="ko-KR" dirty="0" smtClean="0"/>
+              <a:t>(bool)</a:t>
+            </a:r>
+          </a:p>
+          <a:p>
+            <a:endParaRPr lang="en-US" altLang="ko-KR" dirty="0" smtClean="0"/>
+          </a:p>
+          <a:p>
+            <a:r>
+              <a:rPr lang="ko-KR" altLang="en-US" dirty="0" smtClean="0"/>
+              <a:t>이메일중복일시</a:t>
+            </a:r>
+            <a:r>
+              <a:rPr lang="en-US" altLang="ko-KR" dirty="0" smtClean="0"/>
+              <a:t>()</a:t>
+            </a:r>
+          </a:p>
+          <a:p>
+            <a:r>
+              <a:rPr lang="ko-KR" altLang="en-US" dirty="0" smtClean="0"/>
+              <a:t>닉네임중복일시</a:t>
+            </a:r>
+            <a:r>
+              <a:rPr lang="en-US" altLang="ko-KR" dirty="0" smtClean="0"/>
+              <a:t>()</a:t>
+            </a:r>
+          </a:p>
+          <a:p>
+            <a:r>
+              <a:rPr lang="ko-KR" altLang="en-US" dirty="0" err="1" smtClean="0"/>
+              <a:t>완료시</a:t>
+            </a:r>
+            <a:r>
+              <a:rPr lang="en-US" altLang="ko-KR" dirty="0" smtClean="0"/>
+              <a:t>()</a:t>
+            </a:r>
+            <a:endParaRPr lang="en-US" altLang="ko-KR" dirty="0"/>
+          </a:p>
+        </p:txBody>
+      </p:sp>
     </p:spTree>
     <p:extLst>
       <p:ext uri="{BB962C8B-B14F-4D97-AF65-F5344CB8AC3E}">
@@ -19269,6 +19816,80 @@
           </a:p>
         </p:txBody>
       </p:sp>
+      <p:sp>
+        <p:nvSpPr>
+          <p:cNvPr id="27" name="TextBox 26"/>
+          <p:cNvSpPr txBox="1"/>
+          <p:nvPr/>
+        </p:nvSpPr>
+        <p:spPr>
+          <a:xfrm>
+            <a:off x="548468" y="2100778"/>
+            <a:ext cx="1845377" cy="1754326"/>
+          </a:xfrm>
+          <a:prstGeom prst="rect">
+            <a:avLst/>
+          </a:prstGeom>
+          <a:noFill/>
+        </p:spPr>
+        <p:txBody>
+          <a:bodyPr wrap="none" rtlCol="0">
+            <a:spAutoFit/>
+          </a:bodyPr>
+          <a:lstStyle/>
+          <a:p>
+            <a:r>
+              <a:rPr lang="ko-KR" altLang="en-US" dirty="0" err="1" smtClean="0"/>
+              <a:t>신고사유</a:t>
+            </a:r>
+            <a:r>
+              <a:rPr lang="en-US" altLang="ko-KR" dirty="0" smtClean="0"/>
+              <a:t>1(bool)</a:t>
+            </a:r>
+          </a:p>
+          <a:p>
+            <a:r>
+              <a:rPr lang="ko-KR" altLang="en-US" dirty="0" err="1" smtClean="0"/>
+              <a:t>신고사유</a:t>
+            </a:r>
+            <a:r>
+              <a:rPr lang="en-US" altLang="ko-KR" dirty="0" smtClean="0"/>
+              <a:t>2(bool)</a:t>
+            </a:r>
+          </a:p>
+          <a:p>
+            <a:r>
+              <a:rPr lang="en-US" altLang="ko-KR" dirty="0" smtClean="0"/>
+              <a:t>…</a:t>
+            </a:r>
+          </a:p>
+          <a:p>
+            <a:r>
+              <a:rPr lang="ko-KR" altLang="en-US" dirty="0" smtClean="0"/>
+              <a:t>신고</a:t>
+            </a:r>
+            <a:r>
+              <a:rPr lang="en-US" altLang="ko-KR" dirty="0" smtClean="0"/>
+              <a:t>(bool)</a:t>
+            </a:r>
+            <a:endParaRPr lang="en-US" altLang="ko-KR" dirty="0"/>
+          </a:p>
+          <a:p>
+            <a:endParaRPr lang="en-US" altLang="ko-KR" dirty="0"/>
+          </a:p>
+          <a:p>
+            <a:r>
+              <a:rPr lang="ko-KR" altLang="en-US" dirty="0" err="1" smtClean="0"/>
+              <a:t>신고시</a:t>
+            </a:r>
+            <a:r>
+              <a:rPr lang="en-US" altLang="ko-KR" dirty="0" smtClean="0"/>
+              <a:t>()</a:t>
+            </a:r>
+            <a:endParaRPr lang="ko-KR" altLang="en-US" dirty="0"/>
+          </a:p>
+        </p:txBody>
+      </p:sp>
     </p:spTree>
     <p:extLst>
       <p:ext uri="{BB962C8B-B14F-4D97-AF65-F5344CB8AC3E}">
@@ -22639,6 +23260,80 @@
           </a:fontRef>
         </p:style>
       </p:cxnSp>
+      <p:sp>
+        <p:nvSpPr>
+          <p:cNvPr id="18" name="TextBox 17"/>
+          <p:cNvSpPr txBox="1"/>
+          <p:nvPr/>
+        </p:nvSpPr>
+        <p:spPr>
+          <a:xfrm>
+            <a:off x="8789504" y="1941077"/>
+            <a:ext cx="1879041" cy="1754326"/>
+          </a:xfrm>
+          <a:prstGeom prst="rect">
+            <a:avLst/>
+          </a:prstGeom>
+          <a:noFill/>
+        </p:spPr>
+        <p:txBody>
+          <a:bodyPr wrap="none" rtlCol="0">
+            <a:spAutoFit/>
+          </a:bodyPr>
+          <a:lstStyle/>
+          <a:p>
+            <a:r>
+              <a:rPr lang="ko-KR" altLang="en-US" dirty="0" smtClean="0"/>
+              <a:t>변수</a:t>
+            </a:r>
+            <a:r>
+              <a:rPr lang="en-US" altLang="ko-KR" dirty="0" smtClean="0"/>
+              <a:t>:</a:t>
+            </a:r>
+          </a:p>
+          <a:p>
+            <a:r>
+              <a:rPr lang="ko-KR" altLang="en-US" dirty="0" smtClean="0"/>
+              <a:t>이메일</a:t>
+            </a:r>
+            <a:r>
+              <a:rPr lang="en-US" altLang="ko-KR" dirty="0" err="1" smtClean="0"/>
+              <a:t>url</a:t>
+            </a:r>
+            <a:r>
+              <a:rPr lang="en-US" altLang="ko-KR" dirty="0" smtClean="0"/>
+              <a:t>(string)</a:t>
+            </a:r>
+          </a:p>
+          <a:p>
+            <a:endParaRPr lang="en-US" altLang="ko-KR" dirty="0" smtClean="0"/>
+          </a:p>
+          <a:p>
+            <a:endParaRPr lang="en-US" altLang="ko-KR" dirty="0"/>
+          </a:p>
+          <a:p>
+            <a:r>
+              <a:rPr lang="ko-KR" altLang="en-US" dirty="0" err="1" smtClean="0"/>
+              <a:t>이메일전송</a:t>
+            </a:r>
+            <a:r>
+              <a:rPr lang="en-US" altLang="ko-KR" dirty="0" smtClean="0"/>
+              <a:t>()</a:t>
+            </a:r>
+          </a:p>
+          <a:p>
+            <a:r>
+              <a:rPr lang="ko-KR" altLang="en-US" dirty="0" smtClean="0"/>
+              <a:t>이메일재전송</a:t>
+            </a:r>
+            <a:r>
+              <a:rPr lang="en-US" altLang="ko-KR" dirty="0" smtClean="0"/>
+              <a:t>()</a:t>
+            </a:r>
+            <a:endParaRPr lang="ko-KR" altLang="en-US" dirty="0"/>
+          </a:p>
+        </p:txBody>
+      </p:sp>
     </p:spTree>
     <p:extLst>
       <p:ext uri="{BB962C8B-B14F-4D97-AF65-F5344CB8AC3E}">
@@ -23365,6 +24060,36 @@
           </a:p>
         </p:txBody>
       </p:sp>
+      <p:sp>
+        <p:nvSpPr>
+          <p:cNvPr id="24" name="TextBox 23"/>
+          <p:cNvSpPr txBox="1"/>
+          <p:nvPr/>
+        </p:nvSpPr>
+        <p:spPr>
+          <a:xfrm>
+            <a:off x="8789504" y="1941077"/>
+            <a:ext cx="646331" cy="369332"/>
+          </a:xfrm>
+          <a:prstGeom prst="rect">
+            <a:avLst/>
+          </a:prstGeom>
+          <a:noFill/>
+        </p:spPr>
+        <p:txBody>
+          <a:bodyPr wrap="none" rtlCol="0">
+            <a:spAutoFit/>
+          </a:bodyPr>
+          <a:lstStyle/>
+          <a:p>
+            <a:r>
+              <a:rPr lang="ko-KR" altLang="en-US" dirty="0" smtClean="0"/>
+              <a:t>폐기</a:t>
+            </a:r>
+            <a:endParaRPr lang="ko-KR" altLang="en-US" dirty="0"/>
+          </a:p>
+        </p:txBody>
+      </p:sp>
     </p:spTree>
     <p:extLst>
       <p:ext uri="{BB962C8B-B14F-4D97-AF65-F5344CB8AC3E}">
@@ -24238,6 +24963,90 @@
                 </a:schemeClr>
               </a:solidFill>
             </a:endParaRPr>
+          </a:p>
+        </p:txBody>
+      </p:sp>
+      <p:sp>
+        <p:nvSpPr>
+          <p:cNvPr id="17" name="TextBox 16"/>
+          <p:cNvSpPr txBox="1"/>
+          <p:nvPr/>
+        </p:nvSpPr>
+        <p:spPr>
+          <a:xfrm>
+            <a:off x="8789504" y="1941077"/>
+            <a:ext cx="2872902" cy="2308324"/>
+          </a:xfrm>
+          <a:prstGeom prst="rect">
+            <a:avLst/>
+          </a:prstGeom>
+          <a:noFill/>
+        </p:spPr>
+        <p:txBody>
+          <a:bodyPr wrap="none" rtlCol="0">
+            <a:spAutoFit/>
+          </a:bodyPr>
+          <a:lstStyle/>
+          <a:p>
+            <a:r>
+              <a:rPr lang="ko-KR" altLang="en-US" dirty="0" smtClean="0"/>
+              <a:t>이메일</a:t>
+            </a:r>
+            <a:r>
+              <a:rPr lang="en-US" altLang="ko-KR" dirty="0" smtClean="0"/>
+              <a:t>(string)</a:t>
+            </a:r>
+          </a:p>
+          <a:p>
+            <a:r>
+              <a:rPr lang="ko-KR" altLang="en-US" dirty="0" smtClean="0"/>
+              <a:t>비밀번호</a:t>
+            </a:r>
+            <a:r>
+              <a:rPr lang="en-US" altLang="ko-KR" dirty="0" smtClean="0"/>
+              <a:t>(string)</a:t>
+            </a:r>
+          </a:p>
+          <a:p>
+            <a:r>
+              <a:rPr lang="ko-KR" altLang="en-US" dirty="0" smtClean="0"/>
+              <a:t>로그인상태유지</a:t>
+            </a:r>
+            <a:r>
+              <a:rPr lang="en-US" altLang="ko-KR" dirty="0" smtClean="0"/>
+              <a:t>(bool)</a:t>
+            </a:r>
+            <a:endParaRPr lang="en-US" altLang="ko-KR" dirty="0"/>
+          </a:p>
+          <a:p>
+            <a:r>
+              <a:rPr lang="ko-KR" altLang="en-US" dirty="0" smtClean="0"/>
+              <a:t>아이디비밀번호일치</a:t>
+            </a:r>
+            <a:r>
+              <a:rPr lang="en-US" altLang="ko-KR" dirty="0" smtClean="0"/>
+              <a:t>(bool)</a:t>
+            </a:r>
+          </a:p>
+          <a:p>
+            <a:endParaRPr lang="en-US" altLang="ko-KR" dirty="0"/>
+          </a:p>
+          <a:p>
+            <a:endParaRPr lang="en-US" altLang="ko-KR" dirty="0" smtClean="0"/>
+          </a:p>
+          <a:p>
+            <a:r>
+              <a:rPr lang="ko-KR" altLang="en-US" dirty="0" smtClean="0"/>
+              <a:t>아이디비밀번호일치시</a:t>
+            </a:r>
+            <a:r>
+              <a:rPr lang="en-US" altLang="ko-KR" dirty="0" smtClean="0"/>
+              <a:t>()</a:t>
+            </a:r>
+            <a:endParaRPr lang="en-US" altLang="ko-KR" dirty="0"/>
+          </a:p>
+          <a:p>
+            <a:endParaRPr lang="ko-KR" altLang="en-US" dirty="0"/>
           </a:p>
         </p:txBody>
       </p:sp>
@@ -25416,6 +26225,70 @@
           </a:fontRef>
         </p:style>
       </p:cxnSp>
+      <p:sp>
+        <p:nvSpPr>
+          <p:cNvPr id="12" name="TextBox 11"/>
+          <p:cNvSpPr txBox="1"/>
+          <p:nvPr/>
+        </p:nvSpPr>
+        <p:spPr>
+          <a:xfrm>
+            <a:off x="8789504" y="1941077"/>
+            <a:ext cx="2715808" cy="1477328"/>
+          </a:xfrm>
+          <a:prstGeom prst="rect">
+            <a:avLst/>
+          </a:prstGeom>
+          <a:noFill/>
+        </p:spPr>
+        <p:txBody>
+          <a:bodyPr wrap="none" rtlCol="0">
+            <a:spAutoFit/>
+          </a:bodyPr>
+          <a:lstStyle/>
+          <a:p>
+            <a:r>
+              <a:rPr lang="ko-KR" altLang="en-US" dirty="0" err="1" smtClean="0"/>
+              <a:t>이메일주소</a:t>
+            </a:r>
+            <a:r>
+              <a:rPr lang="en-US" altLang="ko-KR" dirty="0" smtClean="0"/>
+              <a:t>(string)</a:t>
+            </a:r>
+          </a:p>
+          <a:p>
+            <a:r>
+              <a:rPr lang="ko-KR" altLang="en-US" dirty="0" smtClean="0"/>
+              <a:t>이메일주소매칭</a:t>
+            </a:r>
+            <a:r>
+              <a:rPr lang="en-US" altLang="ko-KR" dirty="0" smtClean="0"/>
+              <a:t>(bool)</a:t>
+            </a:r>
+          </a:p>
+          <a:p>
+            <a:endParaRPr lang="en-US" altLang="ko-KR" dirty="0"/>
+          </a:p>
+          <a:p>
+            <a:endParaRPr lang="en-US" altLang="ko-KR" dirty="0"/>
+          </a:p>
+          <a:p>
+            <a:r>
+              <a:rPr lang="ko-KR" altLang="en-US" dirty="0" smtClean="0"/>
+              <a:t>이메일주소로 </a:t>
+            </a:r>
+            <a:r>
+              <a:rPr lang="ko-KR" altLang="en-US" dirty="0" err="1" smtClean="0"/>
+              <a:t>메일전송</a:t>
+            </a:r>
+            <a:r>
+              <a:rPr lang="en-US" altLang="ko-KR" dirty="0" smtClean="0"/>
+              <a:t>()</a:t>
+            </a:r>
+            <a:endParaRPr lang="ko-KR" altLang="en-US" dirty="0"/>
+          </a:p>
+        </p:txBody>
+      </p:sp>
     </p:spTree>
     <p:extLst>
       <p:ext uri="{BB962C8B-B14F-4D97-AF65-F5344CB8AC3E}">
@@ -26609,6 +27482,151 @@
                 <a:schemeClr val="bg1"/>
               </a:solidFill>
             </a:endParaRPr>
+          </a:p>
+        </p:txBody>
+      </p:sp>
+      <p:sp>
+        <p:nvSpPr>
+          <p:cNvPr id="38" name="TextBox 37"/>
+          <p:cNvSpPr txBox="1"/>
+          <p:nvPr/>
+        </p:nvSpPr>
+        <p:spPr>
+          <a:xfrm>
+            <a:off x="10479978" y="1763469"/>
+            <a:ext cx="2069797" cy="3693319"/>
+          </a:xfrm>
+          <a:prstGeom prst="rect">
+            <a:avLst/>
+          </a:prstGeom>
+          <a:noFill/>
+        </p:spPr>
+        <p:txBody>
+          <a:bodyPr wrap="none" rtlCol="0">
+            <a:spAutoFit/>
+          </a:bodyPr>
+          <a:lstStyle/>
+          <a:p>
+            <a:r>
+              <a:rPr lang="ko-KR" altLang="en-US" dirty="0" err="1" smtClean="0"/>
+              <a:t>변경닉네임</a:t>
+            </a:r>
+            <a:r>
+              <a:rPr lang="en-US" altLang="ko-KR" dirty="0" smtClean="0"/>
+              <a:t>(string)</a:t>
+            </a:r>
+          </a:p>
+          <a:p>
+            <a:r>
+              <a:rPr lang="ko-KR" altLang="en-US" dirty="0" smtClean="0"/>
+              <a:t>닉네임 변경</a:t>
+            </a:r>
+            <a:r>
+              <a:rPr lang="en-US" altLang="ko-KR" dirty="0" smtClean="0"/>
+              <a:t>(bool)</a:t>
+            </a:r>
+          </a:p>
+          <a:p>
+            <a:r>
+              <a:rPr lang="ko-KR" altLang="en-US" dirty="0" smtClean="0"/>
+              <a:t>프로필</a:t>
+            </a:r>
+            <a:r>
+              <a:rPr lang="en-US" altLang="ko-KR" dirty="0" smtClean="0"/>
+              <a:t>(string)</a:t>
+            </a:r>
+          </a:p>
+          <a:p>
+            <a:r>
+              <a:rPr lang="ko-KR" altLang="en-US" dirty="0" smtClean="0"/>
+              <a:t>프로필 변경</a:t>
+            </a:r>
+            <a:r>
+              <a:rPr lang="en-US" altLang="ko-KR" dirty="0" smtClean="0"/>
+              <a:t>(bool)</a:t>
+            </a:r>
+          </a:p>
+          <a:p>
+            <a:r>
+              <a:rPr lang="ko-KR" altLang="en-US" dirty="0" err="1" smtClean="0"/>
+              <a:t>기본사진</a:t>
+            </a:r>
+            <a:r>
+              <a:rPr lang="en-US" altLang="ko-KR" dirty="0" smtClean="0"/>
+              <a:t>(string)</a:t>
+            </a:r>
+          </a:p>
+          <a:p>
+            <a:r>
+              <a:rPr lang="ko-KR" altLang="en-US" dirty="0" smtClean="0"/>
+              <a:t>프로필 삭제</a:t>
+            </a:r>
+            <a:r>
+              <a:rPr lang="en-US" altLang="ko-KR" dirty="0" smtClean="0"/>
+              <a:t>(bool)</a:t>
+            </a:r>
+          </a:p>
+          <a:p>
+            <a:endParaRPr lang="en-US" altLang="ko-KR" dirty="0"/>
+          </a:p>
+          <a:p>
+            <a:endParaRPr lang="en-US" altLang="ko-KR" dirty="0"/>
+          </a:p>
+          <a:p>
+            <a:r>
+              <a:rPr lang="ko-KR" altLang="en-US" dirty="0" smtClean="0"/>
+              <a:t>닉네임변경시</a:t>
+            </a:r>
+            <a:r>
+              <a:rPr lang="en-US" altLang="ko-KR" dirty="0" smtClean="0"/>
+              <a:t>()</a:t>
+            </a:r>
+          </a:p>
+          <a:p>
+            <a:r>
+              <a:rPr lang="ko-KR" altLang="en-US" dirty="0" smtClean="0"/>
+              <a:t>프로필 </a:t>
+            </a:r>
+            <a:r>
+              <a:rPr lang="ko-KR" altLang="en-US" dirty="0" err="1" smtClean="0"/>
+              <a:t>변경시</a:t>
+            </a:r>
+            <a:r>
+              <a:rPr lang="en-US" altLang="ko-KR" dirty="0" smtClean="0"/>
+              <a:t>()</a:t>
+            </a:r>
+          </a:p>
+          <a:p>
+            <a:r>
+              <a:rPr lang="ko-KR" altLang="en-US" dirty="0" smtClean="0"/>
+              <a:t>프로필 </a:t>
+            </a:r>
+            <a:r>
+              <a:rPr lang="ko-KR" altLang="en-US" dirty="0" err="1" smtClean="0"/>
+              <a:t>삭제시</a:t>
+            </a:r>
+            <a:r>
+              <a:rPr lang="en-US" altLang="ko-KR" dirty="0" smtClean="0"/>
+              <a:t>()</a:t>
+            </a:r>
+          </a:p>
+          <a:p>
+            <a:r>
+              <a:rPr lang="ko-KR" altLang="en-US" dirty="0" smtClean="0"/>
+              <a:t>혹시</a:t>
+            </a:r>
+            <a:endParaRPr lang="en-US" altLang="ko-KR" dirty="0"/>
+          </a:p>
+          <a:p>
+            <a:r>
+              <a:rPr lang="ko-KR" altLang="en-US" dirty="0" err="1" smtClean="0"/>
+              <a:t>내활동긁어오기</a:t>
+            </a:r>
+            <a:r>
+              <a:rPr lang="en-US" altLang="ko-KR" dirty="0" smtClean="0"/>
+              <a:t>()</a:t>
+            </a:r>
+            <a:endParaRPr lang="ko-KR" altLang="en-US" dirty="0"/>
           </a:p>
         </p:txBody>
       </p:sp>
